--- a/基础PPT/JavaSE进阶第三版/第8章：Java泛型简介.pptx
+++ b/基础PPT/JavaSE进阶第三版/第8章：Java泛型简介.pptx
@@ -6464,7 +6464,7 @@
               <a:t>可以在类、接口、方法中使用，分别简称之</a:t>
             </a:r>
             <a:r>
-              <a:rPr lang="zh-CN" altLang="en-US" sz="1600">
+              <a:rPr lang="zh-CN" altLang="en-US" sz="1600" b="1">
                 <a:solidFill>
                   <a:srgbClr val="FF0000"/>
                 </a:solidFill>
@@ -6474,7 +6474,7 @@
               </a:rPr>
               <a:t>泛型类、泛型接口、泛型方法</a:t>
             </a:r>
-            <a:endParaRPr lang="zh-CN" altLang="en-US" sz="1600">
+            <a:endParaRPr lang="zh-CN" altLang="en-US" sz="1600" b="1">
               <a:solidFill>
                 <a:srgbClr val="FF0000"/>
               </a:solidFill>
@@ -6495,7 +6495,7 @@
           </a:p>
           <a:p>
             <a:r>
-              <a:rPr lang="zh-CN" altLang="en-US" sz="1600">
+              <a:rPr lang="zh-CN" altLang="en-US" sz="1600" b="1">
                 <a:solidFill>
                   <a:srgbClr val="FF0000"/>
                 </a:solidFill>
@@ -6507,7 +6507,7 @@
               <a:t>① 泛型类 </a:t>
             </a:r>
             <a:r>
-              <a:rPr lang="zh-CN" altLang="en-US" sz="1600">
+              <a:rPr lang="zh-CN" altLang="en-US" sz="1600" b="1">
                 <a:solidFill>
                   <a:srgbClr val="FF0000"/>
                 </a:solidFill>
@@ -6517,7 +6517,7 @@
               </a:rPr>
               <a:t>public class A&lt;T&gt; </a:t>
             </a:r>
-            <a:endParaRPr lang="zh-CN" altLang="en-US" sz="1600">
+            <a:endParaRPr lang="zh-CN" altLang="en-US" sz="1600" b="1">
               <a:solidFill>
                 <a:srgbClr val="FF0000"/>
               </a:solidFill>
@@ -6528,7 +6528,7 @@
           </a:p>
           <a:p>
             <a:r>
-              <a:rPr lang="zh-CN" altLang="en-US" sz="1600">
+              <a:rPr lang="zh-CN" altLang="en-US" sz="1600" b="1">
                 <a:solidFill>
                   <a:srgbClr val="FF0000"/>
                 </a:solidFill>
@@ -6540,7 +6540,7 @@
               <a:t>② 泛型接口</a:t>
             </a:r>
             <a:r>
-              <a:rPr lang="zh-CN" altLang="en-US" sz="1600">
+              <a:rPr lang="zh-CN" altLang="en-US" sz="1600" b="1">
                 <a:solidFill>
                   <a:srgbClr val="FF0000"/>
                 </a:solidFill>
@@ -6550,7 +6550,7 @@
               </a:rPr>
               <a:t> public class ArrayList&lt;E&gt; implements List&lt;E&gt;</a:t>
             </a:r>
-            <a:endParaRPr lang="zh-CN" altLang="en-US" sz="1600">
+            <a:endParaRPr lang="zh-CN" altLang="en-US" sz="1600" b="1">
               <a:solidFill>
                 <a:srgbClr val="FF0000"/>
               </a:solidFill>
@@ -6561,7 +6561,7 @@
           </a:p>
           <a:p>
             <a:r>
-              <a:rPr lang="zh-CN" altLang="en-US" sz="1600">
+              <a:rPr lang="zh-CN" altLang="en-US" sz="1600" b="1">
                 <a:solidFill>
                   <a:srgbClr val="FF0000"/>
                 </a:solidFill>
@@ -6571,7 +6571,7 @@
               </a:rPr>
               <a:t>③ 泛型方法 public static &lt;T&gt; void fun(T a)</a:t>
             </a:r>
-            <a:endParaRPr lang="zh-CN" altLang="en-US" sz="1600">
+            <a:endParaRPr lang="zh-CN" altLang="en-US" sz="1600" b="1">
               <a:solidFill>
                 <a:srgbClr val="FF0000"/>
               </a:solidFill>
@@ -6582,7 +6582,7 @@
           </a:p>
           <a:p>
             <a:r>
-              <a:rPr lang="zh-CN" altLang="en-US" sz="1600">
+              <a:rPr lang="zh-CN" altLang="en-US" sz="1600" b="1">
                 <a:solidFill>
                   <a:srgbClr val="FF0000"/>
                 </a:solidFill>
@@ -6593,7 +6593,7 @@
               <a:t>④ 可变参数与范型方法 public static &lt;T&gt; </a:t>
             </a:r>
             <a:r>
-              <a:rPr lang="zh-CN" altLang="en-US" sz="1600">
+              <a:rPr lang="zh-CN" altLang="en-US" sz="1600" b="1">
                 <a:solidFill>
                   <a:srgbClr val="FF0000"/>
                 </a:solidFill>
@@ -6605,7 +6605,7 @@
               <a:t>void</a:t>
             </a:r>
             <a:r>
-              <a:rPr lang="zh-CN" altLang="en-US" sz="1600">
+              <a:rPr lang="zh-CN" altLang="en-US" sz="1600" b="1">
                 <a:solidFill>
                   <a:srgbClr val="FF0000"/>
                 </a:solidFill>
@@ -6616,7 +6616,7 @@
               <a:t> </a:t>
             </a:r>
             <a:r>
-              <a:rPr lang="en-US" altLang="zh-CN" sz="1600">
+              <a:rPr lang="en-US" altLang="zh-CN" sz="1600" b="1">
                 <a:solidFill>
                   <a:srgbClr val="FF0000"/>
                 </a:solidFill>
@@ -6627,7 +6627,7 @@
               <a:t>fun</a:t>
             </a:r>
             <a:r>
-              <a:rPr lang="zh-CN" altLang="en-US" sz="1600">
+              <a:rPr lang="zh-CN" altLang="en-US" sz="1600" b="1">
                 <a:solidFill>
                   <a:srgbClr val="FF0000"/>
                 </a:solidFill>
@@ -6637,7 +6637,7 @@
               </a:rPr>
               <a:t>(T... args)</a:t>
             </a:r>
-            <a:endParaRPr lang="zh-CN" altLang="en-US" sz="1600">
+            <a:endParaRPr lang="zh-CN" altLang="en-US" sz="1600" b="1">
               <a:solidFill>
                 <a:srgbClr val="FF0000"/>
               </a:solidFill>
@@ -7037,8 +7037,8 @@
         </p:nvSpPr>
         <p:spPr>
           <a:xfrm>
-            <a:off x="134620" y="90805"/>
-            <a:ext cx="4014470" cy="3690620"/>
+            <a:off x="115570" y="90805"/>
+            <a:ext cx="4069080" cy="3690620"/>
           </a:xfrm>
           <a:prstGeom prst="rect">
             <a:avLst/>
@@ -7097,7 +7097,7 @@
                 </a:solidFill>
                 <a:sym typeface="+mn-ea"/>
               </a:rPr>
-              <a:t> * T 类型持有类</a:t>
+              <a:t> * T 类型持有类（类比集合）</a:t>
             </a:r>
             <a:endParaRPr lang="zh-CN" altLang="en-US" sz="1200">
               <a:solidFill>
@@ -7133,38 +7133,65 @@
                 </a:solidFill>
                 <a:sym typeface="+mn-ea"/>
               </a:rPr>
-              <a:t>public class Holder&lt;T&gt; {</a:t>
-            </a:r>
-            <a:endParaRPr lang="zh-CN" altLang="en-US" sz="1200">
-              <a:solidFill>
-                <a:schemeClr val="tx1"/>
-              </a:solidFill>
-              <a:sym typeface="+mn-ea"/>
-            </a:endParaRPr>
-          </a:p>
-          <a:p>
-            <a:pPr algn="l"/>
-            <a:endParaRPr lang="zh-CN" altLang="en-US" sz="1200">
-              <a:solidFill>
-                <a:schemeClr val="tx1"/>
-              </a:solidFill>
-              <a:sym typeface="+mn-ea"/>
-            </a:endParaRPr>
-          </a:p>
-          <a:p>
-            <a:pPr algn="l"/>
-            <a:r>
-              <a:rPr lang="zh-CN" altLang="en-US" sz="1200">
-                <a:solidFill>
-                  <a:schemeClr val="tx1"/>
-                </a:solidFill>
-                <a:sym typeface="+mn-ea"/>
-              </a:rPr>
-              <a:t>    private T t;</a:t>
-            </a:r>
-            <a:endParaRPr lang="zh-CN" altLang="en-US" sz="1200">
-              <a:solidFill>
-                <a:schemeClr val="tx1"/>
+              <a:t>public class Holder</a:t>
+            </a:r>
+            <a:r>
+              <a:rPr lang="zh-CN" altLang="en-US" sz="1200" b="1">
+                <a:solidFill>
+                  <a:srgbClr val="FF0000"/>
+                </a:solidFill>
+                <a:sym typeface="+mn-ea"/>
+              </a:rPr>
+              <a:t>&lt;T&gt;</a:t>
+            </a:r>
+            <a:r>
+              <a:rPr lang="zh-CN" altLang="en-US" sz="1200">
+                <a:solidFill>
+                  <a:schemeClr val="tx1"/>
+                </a:solidFill>
+                <a:sym typeface="+mn-ea"/>
+              </a:rPr>
+              <a:t> {</a:t>
+            </a:r>
+            <a:endParaRPr lang="zh-CN" altLang="en-US" sz="1200">
+              <a:solidFill>
+                <a:schemeClr val="tx1"/>
+              </a:solidFill>
+              <a:sym typeface="+mn-ea"/>
+            </a:endParaRPr>
+          </a:p>
+          <a:p>
+            <a:pPr algn="l"/>
+            <a:endParaRPr lang="zh-CN" altLang="en-US" sz="1200">
+              <a:solidFill>
+                <a:schemeClr val="tx1"/>
+              </a:solidFill>
+              <a:sym typeface="+mn-ea"/>
+            </a:endParaRPr>
+          </a:p>
+          <a:p>
+            <a:pPr algn="l"/>
+            <a:r>
+              <a:rPr lang="zh-CN" altLang="en-US" sz="1200">
+                <a:solidFill>
+                  <a:schemeClr val="tx1"/>
+                </a:solidFill>
+                <a:sym typeface="+mn-ea"/>
+              </a:rPr>
+              <a:t>    private </a:t>
+            </a:r>
+            <a:r>
+              <a:rPr lang="zh-CN" altLang="en-US" sz="1200" b="1">
+                <a:solidFill>
+                  <a:srgbClr val="FF0000"/>
+                </a:solidFill>
+                <a:sym typeface="+mn-ea"/>
+              </a:rPr>
+              <a:t>T t;</a:t>
+            </a:r>
+            <a:endParaRPr lang="zh-CN" altLang="en-US" sz="1200" b="1">
+              <a:solidFill>
+                <a:srgbClr val="FF0000"/>
               </a:solidFill>
               <a:sym typeface="+mn-ea"/>
             </a:endParaRPr>
@@ -7214,11 +7241,20 @@
                 </a:solidFill>
                 <a:sym typeface="+mn-ea"/>
               </a:rPr>
-              <a:t>        this.t = t;</a:t>
-            </a:r>
-            <a:endParaRPr lang="zh-CN" altLang="en-US" sz="1200">
-              <a:solidFill>
-                <a:schemeClr val="tx1"/>
+              <a:t>      </a:t>
+            </a:r>
+            <a:r>
+              <a:rPr lang="zh-CN" altLang="en-US" sz="1200" b="1">
+                <a:solidFill>
+                  <a:srgbClr val="FF0000"/>
+                </a:solidFill>
+                <a:sym typeface="+mn-ea"/>
+              </a:rPr>
+              <a:t>  this.t = t;</a:t>
+            </a:r>
+            <a:endParaRPr lang="zh-CN" altLang="en-US" sz="1200" b="1">
+              <a:solidFill>
+                <a:srgbClr val="FF0000"/>
               </a:solidFill>
               <a:sym typeface="+mn-ea"/>
             </a:endParaRPr>
@@ -7286,7 +7322,25 @@
                 </a:solidFill>
                 <a:sym typeface="+mn-ea"/>
               </a:rPr>
-              <a:t>        System.out.println(t.toString());</a:t>
+              <a:t>        System.out.println(</a:t>
+            </a:r>
+            <a:r>
+              <a:rPr lang="zh-CN" altLang="en-US" sz="1200" b="1">
+                <a:solidFill>
+                  <a:srgbClr val="FF0000"/>
+                </a:solidFill>
+                <a:sym typeface="+mn-ea"/>
+              </a:rPr>
+              <a:t>t.toString()</a:t>
+            </a:r>
+            <a:r>
+              <a:rPr lang="zh-CN" altLang="en-US" sz="1200">
+                <a:solidFill>
+                  <a:schemeClr val="tx1"/>
+                </a:solidFill>
+                <a:sym typeface="+mn-ea"/>
+              </a:rPr>
+              <a:t>);</a:t>
             </a:r>
             <a:endParaRPr lang="zh-CN" altLang="en-US" sz="1200">
               <a:solidFill>
@@ -7358,7 +7412,25 @@
                 </a:solidFill>
                 <a:sym typeface="+mn-ea"/>
               </a:rPr>
-              <a:t>        System.out.println("将 " + t.toString() + " 写入文件");</a:t>
+              <a:t>        System.out.println("将 " + </a:t>
+            </a:r>
+            <a:r>
+              <a:rPr lang="zh-CN" altLang="en-US" sz="1200" b="1">
+                <a:solidFill>
+                  <a:srgbClr val="FF0000"/>
+                </a:solidFill>
+                <a:sym typeface="+mn-ea"/>
+              </a:rPr>
+              <a:t>t.toString()</a:t>
+            </a:r>
+            <a:r>
+              <a:rPr lang="zh-CN" altLang="en-US" sz="1200">
+                <a:solidFill>
+                  <a:schemeClr val="tx1"/>
+                </a:solidFill>
+                <a:sym typeface="+mn-ea"/>
+              </a:rPr>
+              <a:t> + " 写入文件");</a:t>
             </a:r>
             <a:endParaRPr lang="zh-CN" altLang="en-US" sz="1200">
               <a:solidFill>
@@ -7413,7 +7485,7 @@
         </p:nvSpPr>
         <p:spPr>
           <a:xfrm>
-            <a:off x="708025" y="3573145"/>
+            <a:off x="743585" y="3573145"/>
             <a:ext cx="3441065" cy="3164205"/>
           </a:xfrm>
           <a:prstGeom prst="rect">
@@ -7726,7 +7798,7 @@
         </p:nvSpPr>
         <p:spPr>
           <a:xfrm>
-            <a:off x="4306570" y="90805"/>
+            <a:off x="4342130" y="90805"/>
             <a:ext cx="2831465" cy="3482340"/>
           </a:xfrm>
           <a:prstGeom prst="rect">
@@ -8012,7 +8084,7 @@
         </p:nvSpPr>
         <p:spPr>
           <a:xfrm>
-            <a:off x="4306570" y="3699510"/>
+            <a:off x="4342130" y="3699510"/>
             <a:ext cx="6464300" cy="2372995"/>
           </a:xfrm>
           <a:prstGeom prst="rect">
@@ -8244,7 +8316,7 @@
         </p:nvSpPr>
         <p:spPr>
           <a:xfrm>
-            <a:off x="7286625" y="90805"/>
+            <a:off x="7322185" y="90805"/>
             <a:ext cx="4752975" cy="3928110"/>
           </a:xfrm>
           <a:prstGeom prst="rect">
@@ -8647,7 +8719,7 @@
         </p:nvSpPr>
         <p:spPr>
           <a:xfrm>
-            <a:off x="4306570" y="6216015"/>
+            <a:off x="4342130" y="6216015"/>
             <a:ext cx="2023110" cy="456565"/>
           </a:xfrm>
           <a:prstGeom prst="rect">
@@ -8687,6 +8759,95 @@
               <a:t>泛型类</a:t>
             </a:r>
             <a:endParaRPr lang="zh-CN"/>
+          </a:p>
+        </p:txBody>
+      </p:sp>
+      <p:sp>
+        <p:nvSpPr>
+          <p:cNvPr id="3" name="矩形 2"/>
+          <p:cNvSpPr/>
+          <p:nvPr/>
+        </p:nvSpPr>
+        <p:spPr>
+          <a:xfrm>
+            <a:off x="1809750" y="965200"/>
+            <a:ext cx="1901825" cy="393700"/>
+          </a:xfrm>
+          <a:prstGeom prst="rect">
+            <a:avLst/>
+          </a:prstGeom>
+          <a:solidFill>
+            <a:schemeClr val="bg1">
+              <a:lumMod val="50000"/>
+            </a:schemeClr>
+          </a:solidFill>
+          <a:ln>
+            <a:solidFill>
+              <a:schemeClr val="bg1"/>
+            </a:solidFill>
+          </a:ln>
+        </p:spPr>
+        <p:style>
+          <a:lnRef idx="2">
+            <a:schemeClr val="accent1">
+              <a:shade val="50000"/>
+            </a:schemeClr>
+          </a:lnRef>
+          <a:fillRef idx="1">
+            <a:schemeClr val="accent1"/>
+          </a:fillRef>
+          <a:effectRef idx="0">
+            <a:schemeClr val="accent1"/>
+          </a:effectRef>
+          <a:fontRef idx="minor">
+            <a:schemeClr val="lt1"/>
+          </a:fontRef>
+        </p:style>
+        <p:txBody>
+          <a:bodyPr rtlCol="0" anchor="ctr"/>
+          <a:p>
+            <a:pPr algn="l"/>
+            <a:r>
+              <a:rPr lang="zh-CN" altLang="en-US" sz="1200">
+                <a:solidFill>
+                  <a:schemeClr val="bg1"/>
+                </a:solidFill>
+                <a:latin typeface="+mn-ea"/>
+                <a:cs typeface="+mn-ea"/>
+                <a:sym typeface="+mn-ea"/>
+              </a:rPr>
+              <a:t>类型 </a:t>
+            </a:r>
+            <a:r>
+              <a:rPr lang="en-US" altLang="zh-CN" sz="1200">
+                <a:solidFill>
+                  <a:schemeClr val="bg1"/>
+                </a:solidFill>
+                <a:latin typeface="+mn-ea"/>
+                <a:cs typeface="+mn-ea"/>
+                <a:sym typeface="+mn-ea"/>
+              </a:rPr>
+              <a:t>T </a:t>
+            </a:r>
+            <a:r>
+              <a:rPr lang="zh-CN" altLang="en-US" sz="1200">
+                <a:solidFill>
+                  <a:schemeClr val="bg1"/>
+                </a:solidFill>
+                <a:latin typeface="+mn-ea"/>
+                <a:cs typeface="+mn-ea"/>
+                <a:sym typeface="+mn-ea"/>
+              </a:rPr>
+              <a:t>作用域在整个类中</a:t>
+            </a:r>
+            <a:endParaRPr lang="zh-CN" altLang="en-US" sz="1200">
+              <a:solidFill>
+                <a:schemeClr val="bg1"/>
+              </a:solidFill>
+              <a:latin typeface="+mn-ea"/>
+              <a:cs typeface="+mn-ea"/>
+              <a:sym typeface="+mn-ea"/>
+            </a:endParaRPr>
           </a:p>
         </p:txBody>
       </p:sp>
@@ -9684,6 +9845,24 @@
               </a:rPr>
               <a:t> * 泛型接口</a:t>
             </a:r>
+            <a:r>
+              <a:rPr lang="en-US" altLang="zh-CN" sz="1200">
+                <a:solidFill>
+                  <a:schemeClr val="tx1"/>
+                </a:solidFill>
+                <a:sym typeface="+mn-ea"/>
+              </a:rPr>
+              <a:t>,</a:t>
+            </a:r>
+            <a:r>
+              <a:rPr lang="zh-CN" altLang="en-US" sz="1200">
+                <a:solidFill>
+                  <a:schemeClr val="tx1"/>
+                </a:solidFill>
+                <a:sym typeface="+mn-ea"/>
+              </a:rPr>
+              <a:t>生成器（数列）</a:t>
+            </a:r>
             <a:endParaRPr lang="zh-CN" altLang="en-US" sz="1200">
               <a:solidFill>
                 <a:schemeClr val="tx1"/>
@@ -9718,7 +9897,25 @@
                 </a:solidFill>
                 <a:sym typeface="+mn-ea"/>
               </a:rPr>
-              <a:t>public interface Generator&lt;T&gt; {</a:t>
+              <a:t>public interface </a:t>
+            </a:r>
+            <a:r>
+              <a:rPr lang="zh-CN" altLang="en-US" sz="1200" b="1">
+                <a:solidFill>
+                  <a:srgbClr val="FF0000"/>
+                </a:solidFill>
+                <a:sym typeface="+mn-ea"/>
+              </a:rPr>
+              <a:t>Generator&lt;T&gt;</a:t>
+            </a:r>
+            <a:r>
+              <a:rPr lang="zh-CN" altLang="en-US" sz="1200">
+                <a:solidFill>
+                  <a:schemeClr val="tx1"/>
+                </a:solidFill>
+                <a:sym typeface="+mn-ea"/>
+              </a:rPr>
+              <a:t> {</a:t>
             </a:r>
             <a:endParaRPr lang="zh-CN" altLang="en-US" sz="1200">
               <a:solidFill>
@@ -9817,7 +10014,25 @@
                 </a:solidFill>
                 <a:sym typeface="+mn-ea"/>
               </a:rPr>
-              <a:t>    T next();</a:t>
+              <a:t>    </a:t>
+            </a:r>
+            <a:r>
+              <a:rPr lang="zh-CN" altLang="en-US" sz="1200" b="1">
+                <a:solidFill>
+                  <a:srgbClr val="FF0000"/>
+                </a:solidFill>
+                <a:sym typeface="+mn-ea"/>
+              </a:rPr>
+              <a:t>T</a:t>
+            </a:r>
+            <a:r>
+              <a:rPr lang="zh-CN" altLang="en-US" sz="1200">
+                <a:solidFill>
+                  <a:schemeClr val="tx1"/>
+                </a:solidFill>
+                <a:sym typeface="+mn-ea"/>
+              </a:rPr>
+              <a:t> next();</a:t>
             </a:r>
             <a:endParaRPr lang="zh-CN" altLang="en-US" sz="1200">
               <a:solidFill>
@@ -9950,7 +10165,25 @@
                 </a:solidFill>
                 <a:sym typeface="+mn-ea"/>
               </a:rPr>
-              <a:t>public class Fibonacci implements Generator&lt;Integer&gt;{</a:t>
+              <a:t>public class Fibonacci </a:t>
+            </a:r>
+            <a:r>
+              <a:rPr lang="zh-CN" altLang="en-US" sz="1200" b="1">
+                <a:solidFill>
+                  <a:srgbClr val="FF0000"/>
+                </a:solidFill>
+                <a:sym typeface="+mn-ea"/>
+              </a:rPr>
+              <a:t>implements Generator&lt;Integer&gt;</a:t>
+            </a:r>
+            <a:r>
+              <a:rPr lang="zh-CN" altLang="en-US" sz="1200">
+                <a:solidFill>
+                  <a:schemeClr val="tx1"/>
+                </a:solidFill>
+                <a:sym typeface="+mn-ea"/>
+              </a:rPr>
+              <a:t>{</a:t>
             </a:r>
             <a:endParaRPr lang="zh-CN" altLang="en-US" sz="1200">
               <a:solidFill>
@@ -10157,7 +10390,25 @@
                 </a:solidFill>
                 <a:sym typeface="+mn-ea"/>
               </a:rPr>
-              <a:t>    public Integer next() {</a:t>
+              <a:t>    public </a:t>
+            </a:r>
+            <a:r>
+              <a:rPr lang="zh-CN" altLang="en-US" sz="1200" b="1">
+                <a:solidFill>
+                  <a:srgbClr val="FF0000"/>
+                </a:solidFill>
+                <a:sym typeface="+mn-ea"/>
+              </a:rPr>
+              <a:t>Integer next()</a:t>
+            </a:r>
+            <a:r>
+              <a:rPr lang="zh-CN" altLang="en-US" sz="1200">
+                <a:solidFill>
+                  <a:schemeClr val="tx1"/>
+                </a:solidFill>
+                <a:sym typeface="+mn-ea"/>
+              </a:rPr>
+              <a:t> {</a:t>
             </a:r>
             <a:endParaRPr lang="zh-CN" altLang="en-US" sz="1200">
               <a:solidFill>
@@ -10230,7 +10481,7 @@
         </p:nvSpPr>
         <p:spPr>
           <a:xfrm>
-            <a:off x="6864350" y="4020820"/>
+            <a:off x="6726555" y="4020820"/>
             <a:ext cx="5252720" cy="2698115"/>
           </a:xfrm>
           <a:prstGeom prst="rect">
@@ -10624,6 +10875,84 @@
               <a:t>Fibonacci数列</a:t>
             </a:r>
             <a:endParaRPr lang="zh-CN" altLang="en-US"/>
+          </a:p>
+        </p:txBody>
+      </p:sp>
+      <p:sp>
+        <p:nvSpPr>
+          <p:cNvPr id="11" name="云形标注 10"/>
+          <p:cNvSpPr/>
+          <p:nvPr/>
+        </p:nvSpPr>
+        <p:spPr>
+          <a:xfrm>
+            <a:off x="9858375" y="2458720"/>
+            <a:ext cx="2258695" cy="1302385"/>
+          </a:xfrm>
+          <a:prstGeom prst="cloudCallout">
+            <a:avLst>
+              <a:gd name="adj1" fmla="val -48256"/>
+              <a:gd name="adj2" fmla="val 91101"/>
+            </a:avLst>
+          </a:prstGeom>
+          <a:solidFill>
+            <a:srgbClr val="DBEEDF"/>
+          </a:solidFill>
+          <a:ln>
+            <a:solidFill>
+              <a:srgbClr val="DBEEDF"/>
+            </a:solidFill>
+          </a:ln>
+        </p:spPr>
+        <p:style>
+          <a:lnRef idx="2">
+            <a:schemeClr val="accent1">
+              <a:shade val="50000"/>
+            </a:schemeClr>
+          </a:lnRef>
+          <a:fillRef idx="1">
+            <a:schemeClr val="accent1"/>
+          </a:fillRef>
+          <a:effectRef idx="0">
+            <a:schemeClr val="accent1"/>
+          </a:effectRef>
+          <a:fontRef idx="minor">
+            <a:schemeClr val="lt1"/>
+          </a:fontRef>
+        </p:style>
+        <p:txBody>
+          <a:bodyPr rtlCol="0" anchor="ctr"/>
+          <a:p>
+            <a:pPr algn="ctr"/>
+            <a:r>
+              <a:rPr lang="zh-CN" altLang="en-US">
+                <a:solidFill>
+                  <a:srgbClr val="F7AF3F"/>
+                </a:solidFill>
+              </a:rPr>
+              <a:t>能力拓展</a:t>
+            </a:r>
+            <a:endParaRPr lang="zh-CN" altLang="en-US">
+              <a:solidFill>
+                <a:srgbClr val="F7AF3F"/>
+              </a:solidFill>
+            </a:endParaRPr>
+          </a:p>
+          <a:p>
+            <a:pPr algn="ctr"/>
+            <a:r>
+              <a:rPr lang="zh-CN" altLang="en-US">
+                <a:solidFill>
+                  <a:srgbClr val="F7AF3F"/>
+                </a:solidFill>
+              </a:rPr>
+              <a:t>（课后自学）</a:t>
+            </a:r>
+            <a:endParaRPr lang="zh-CN" altLang="en-US">
+              <a:solidFill>
+                <a:srgbClr val="F7AF3F"/>
+              </a:solidFill>
+            </a:endParaRPr>
           </a:p>
         </p:txBody>
       </p:sp>
@@ -11148,7 +11477,43 @@
                 </a:solidFill>
                 <a:sym typeface="+mn-ea"/>
               </a:rPr>
-              <a:t>    public &lt;T&gt; void getClasName (T t) {</a:t>
+              <a:t>    public </a:t>
+            </a:r>
+            <a:r>
+              <a:rPr lang="zh-CN" altLang="en-US" sz="1200" b="1">
+                <a:solidFill>
+                  <a:srgbClr val="FF0000"/>
+                </a:solidFill>
+                <a:sym typeface="+mn-ea"/>
+              </a:rPr>
+              <a:t>&lt;T&gt;</a:t>
+            </a:r>
+            <a:r>
+              <a:rPr lang="zh-CN" altLang="en-US" sz="1200">
+                <a:solidFill>
+                  <a:schemeClr val="tx1"/>
+                </a:solidFill>
+                <a:sym typeface="+mn-ea"/>
+              </a:rPr>
+              <a:t> void getClasName (</a:t>
+            </a:r>
+            <a:r>
+              <a:rPr lang="zh-CN" altLang="en-US" sz="1200" b="1">
+                <a:solidFill>
+                  <a:srgbClr val="FF0000"/>
+                </a:solidFill>
+                <a:sym typeface="+mn-ea"/>
+              </a:rPr>
+              <a:t>T t</a:t>
+            </a:r>
+            <a:r>
+              <a:rPr lang="zh-CN" altLang="en-US" sz="1200">
+                <a:solidFill>
+                  <a:schemeClr val="tx1"/>
+                </a:solidFill>
+                <a:sym typeface="+mn-ea"/>
+              </a:rPr>
+              <a:t>) {</a:t>
             </a:r>
             <a:endParaRPr lang="zh-CN" altLang="en-US" sz="1200">
               <a:solidFill>
@@ -11220,7 +11585,43 @@
                 </a:solidFill>
                 <a:sym typeface="+mn-ea"/>
               </a:rPr>
-              <a:t>    public &lt;T&gt; T getInstance (T t) throws InstantiationException, IllegalAccessException {</a:t>
+              <a:t>    public </a:t>
+            </a:r>
+            <a:r>
+              <a:rPr lang="zh-CN" altLang="en-US" sz="1200" b="1">
+                <a:solidFill>
+                  <a:srgbClr val="FF0000"/>
+                </a:solidFill>
+                <a:sym typeface="+mn-ea"/>
+              </a:rPr>
+              <a:t>&lt;T&gt;</a:t>
+            </a:r>
+            <a:r>
+              <a:rPr lang="zh-CN" altLang="en-US" sz="1200">
+                <a:solidFill>
+                  <a:schemeClr val="tx1"/>
+                </a:solidFill>
+                <a:sym typeface="+mn-ea"/>
+              </a:rPr>
+              <a:t> T getInstance (</a:t>
+            </a:r>
+            <a:r>
+              <a:rPr lang="zh-CN" altLang="en-US" sz="1200" b="1">
+                <a:solidFill>
+                  <a:srgbClr val="FF0000"/>
+                </a:solidFill>
+                <a:sym typeface="+mn-ea"/>
+              </a:rPr>
+              <a:t>T t</a:t>
+            </a:r>
+            <a:r>
+              <a:rPr lang="zh-CN" altLang="en-US" sz="1200">
+                <a:solidFill>
+                  <a:schemeClr val="tx1"/>
+                </a:solidFill>
+                <a:sym typeface="+mn-ea"/>
+              </a:rPr>
+              <a:t>) throws InstantiationException, IllegalAccessException {</a:t>
             </a:r>
             <a:endParaRPr lang="zh-CN" altLang="en-US" sz="1200">
               <a:solidFill>
@@ -11292,7 +11693,43 @@
                 </a:solidFill>
                 <a:sym typeface="+mn-ea"/>
               </a:rPr>
-              <a:t>    public static &lt;T&gt; void getClasName2 (T t) {</a:t>
+              <a:t>    public static </a:t>
+            </a:r>
+            <a:r>
+              <a:rPr lang="zh-CN" altLang="en-US" sz="1200" b="1">
+                <a:solidFill>
+                  <a:srgbClr val="FF0000"/>
+                </a:solidFill>
+                <a:sym typeface="+mn-ea"/>
+              </a:rPr>
+              <a:t>&lt;T&gt;</a:t>
+            </a:r>
+            <a:r>
+              <a:rPr lang="zh-CN" altLang="en-US" sz="1200">
+                <a:solidFill>
+                  <a:schemeClr val="tx1"/>
+                </a:solidFill>
+                <a:sym typeface="+mn-ea"/>
+              </a:rPr>
+              <a:t> void getClasName2 (</a:t>
+            </a:r>
+            <a:r>
+              <a:rPr lang="zh-CN" altLang="en-US" sz="1200" b="1">
+                <a:solidFill>
+                  <a:srgbClr val="FF0000"/>
+                </a:solidFill>
+                <a:sym typeface="+mn-ea"/>
+              </a:rPr>
+              <a:t>T t</a:t>
+            </a:r>
+            <a:r>
+              <a:rPr lang="zh-CN" altLang="en-US" sz="1200">
+                <a:solidFill>
+                  <a:schemeClr val="tx1"/>
+                </a:solidFill>
+                <a:sym typeface="+mn-ea"/>
+              </a:rPr>
+              <a:t>) {</a:t>
             </a:r>
             <a:endParaRPr lang="zh-CN" altLang="en-US" sz="1200">
               <a:solidFill>
@@ -11364,7 +11801,43 @@
                 </a:solidFill>
                 <a:sym typeface="+mn-ea"/>
               </a:rPr>
-              <a:t>    public static &lt;T&gt; T getInstance2 (T t) throws InstantiationException, IllegalAccessException {</a:t>
+              <a:t>    public static </a:t>
+            </a:r>
+            <a:r>
+              <a:rPr lang="zh-CN" altLang="en-US" sz="1200" b="1">
+                <a:solidFill>
+                  <a:srgbClr val="FF0000"/>
+                </a:solidFill>
+                <a:sym typeface="+mn-ea"/>
+              </a:rPr>
+              <a:t>&lt;T&gt;</a:t>
+            </a:r>
+            <a:r>
+              <a:rPr lang="zh-CN" altLang="en-US" sz="1200">
+                <a:solidFill>
+                  <a:schemeClr val="tx1"/>
+                </a:solidFill>
+                <a:sym typeface="+mn-ea"/>
+              </a:rPr>
+              <a:t> T getInstance2 (</a:t>
+            </a:r>
+            <a:r>
+              <a:rPr lang="zh-CN" altLang="en-US" sz="1200" b="1">
+                <a:solidFill>
+                  <a:srgbClr val="FF0000"/>
+                </a:solidFill>
+                <a:sym typeface="+mn-ea"/>
+              </a:rPr>
+              <a:t>T t</a:t>
+            </a:r>
+            <a:r>
+              <a:rPr lang="zh-CN" altLang="en-US" sz="1200">
+                <a:solidFill>
+                  <a:schemeClr val="tx1"/>
+                </a:solidFill>
+                <a:sym typeface="+mn-ea"/>
+              </a:rPr>
+              <a:t>) throws InstantiationException, IllegalAccessException {</a:t>
             </a:r>
             <a:endParaRPr lang="zh-CN" altLang="en-US" sz="1200">
               <a:solidFill>
@@ -11477,6 +11950,95 @@
               <a:t>泛型方法</a:t>
             </a:r>
             <a:endParaRPr lang="zh-CN"/>
+          </a:p>
+        </p:txBody>
+      </p:sp>
+      <p:sp>
+        <p:nvSpPr>
+          <p:cNvPr id="3" name="矩形 2"/>
+          <p:cNvSpPr/>
+          <p:nvPr/>
+        </p:nvSpPr>
+        <p:spPr>
+          <a:xfrm>
+            <a:off x="4649470" y="4371340"/>
+            <a:ext cx="2047875" cy="393700"/>
+          </a:xfrm>
+          <a:prstGeom prst="rect">
+            <a:avLst/>
+          </a:prstGeom>
+          <a:solidFill>
+            <a:schemeClr val="bg1">
+              <a:lumMod val="50000"/>
+            </a:schemeClr>
+          </a:solidFill>
+          <a:ln>
+            <a:solidFill>
+              <a:schemeClr val="bg1"/>
+            </a:solidFill>
+          </a:ln>
+        </p:spPr>
+        <p:style>
+          <a:lnRef idx="2">
+            <a:schemeClr val="accent1">
+              <a:shade val="50000"/>
+            </a:schemeClr>
+          </a:lnRef>
+          <a:fillRef idx="1">
+            <a:schemeClr val="accent1"/>
+          </a:fillRef>
+          <a:effectRef idx="0">
+            <a:schemeClr val="accent1"/>
+          </a:effectRef>
+          <a:fontRef idx="minor">
+            <a:schemeClr val="lt1"/>
+          </a:fontRef>
+        </p:style>
+        <p:txBody>
+          <a:bodyPr rtlCol="0" anchor="ctr"/>
+          <a:p>
+            <a:pPr algn="l"/>
+            <a:r>
+              <a:rPr lang="zh-CN" altLang="en-US" sz="1200">
+                <a:solidFill>
+                  <a:schemeClr val="bg1"/>
+                </a:solidFill>
+                <a:latin typeface="+mn-ea"/>
+                <a:cs typeface="+mn-ea"/>
+                <a:sym typeface="+mn-ea"/>
+              </a:rPr>
+              <a:t>类型 </a:t>
+            </a:r>
+            <a:r>
+              <a:rPr lang="en-US" altLang="zh-CN" sz="1200">
+                <a:solidFill>
+                  <a:schemeClr val="bg1"/>
+                </a:solidFill>
+                <a:latin typeface="+mn-ea"/>
+                <a:cs typeface="+mn-ea"/>
+                <a:sym typeface="+mn-ea"/>
+              </a:rPr>
+              <a:t>T </a:t>
+            </a:r>
+            <a:r>
+              <a:rPr lang="zh-CN" altLang="en-US" sz="1200">
+                <a:solidFill>
+                  <a:schemeClr val="bg1"/>
+                </a:solidFill>
+                <a:latin typeface="+mn-ea"/>
+                <a:cs typeface="+mn-ea"/>
+                <a:sym typeface="+mn-ea"/>
+              </a:rPr>
+              <a:t>作用域只在方法中</a:t>
+            </a:r>
+            <a:endParaRPr lang="zh-CN" altLang="en-US" sz="1200">
+              <a:solidFill>
+                <a:schemeClr val="bg1"/>
+              </a:solidFill>
+              <a:latin typeface="+mn-ea"/>
+              <a:cs typeface="+mn-ea"/>
+              <a:sym typeface="+mn-ea"/>
+            </a:endParaRPr>
           </a:p>
         </p:txBody>
       </p:sp>
@@ -11652,61 +12214,43 @@
                 </a:solidFill>
                 <a:sym typeface="+mn-ea"/>
               </a:rPr>
-              <a:t>        System.out.println(makeList("hello", "world", "hello", "linkknown"));</a:t>
-            </a:r>
-            <a:endParaRPr lang="zh-CN" altLang="en-US" sz="1200">
-              <a:solidFill>
-                <a:schemeClr val="tx1"/>
-              </a:solidFill>
-              <a:sym typeface="+mn-ea"/>
-            </a:endParaRPr>
-          </a:p>
-          <a:p>
-            <a:pPr algn="l"/>
-            <a:r>
-              <a:rPr lang="zh-CN" altLang="en-US" sz="1200">
-                <a:solidFill>
-                  <a:schemeClr val="tx1"/>
-                </a:solidFill>
-                <a:sym typeface="+mn-ea"/>
-              </a:rPr>
-              <a:t>        System.out.println(makeList(1, 2, 3, 4));</a:t>
-            </a:r>
-            <a:endParaRPr lang="zh-CN" altLang="en-US" sz="1200">
-              <a:solidFill>
-                <a:schemeClr val="tx1"/>
-              </a:solidFill>
-              <a:sym typeface="+mn-ea"/>
-            </a:endParaRPr>
-          </a:p>
-          <a:p>
-            <a:pPr algn="l"/>
-            <a:r>
-              <a:rPr lang="zh-CN" altLang="en-US" sz="1200">
-                <a:solidFill>
-                  <a:schemeClr val="tx1"/>
-                </a:solidFill>
-                <a:sym typeface="+mn-ea"/>
-              </a:rPr>
-              <a:t>        </a:t>
-            </a:r>
-            <a:endParaRPr lang="zh-CN" altLang="en-US" sz="1200">
-              <a:solidFill>
-                <a:schemeClr val="tx1"/>
-              </a:solidFill>
-              <a:sym typeface="+mn-ea"/>
-            </a:endParaRPr>
-          </a:p>
-          <a:p>
-            <a:pPr algn="l"/>
-            <a:r>
-              <a:rPr lang="zh-CN" altLang="en-US" sz="1200">
-                <a:solidFill>
-                  <a:schemeClr val="tx1"/>
-                </a:solidFill>
-                <a:sym typeface="+mn-ea"/>
-              </a:rPr>
-              <a:t>        System.out.println(makeList(1, 2, "hello", "world"));        // ?? why 可以，后面讲解</a:t>
+              <a:t>        List&lt;String&gt; stringList = makeList("hello", "world", "hello", "linkknown");</a:t>
+            </a:r>
+            <a:endParaRPr lang="zh-CN" altLang="en-US" sz="1200">
+              <a:solidFill>
+                <a:schemeClr val="tx1"/>
+              </a:solidFill>
+              <a:sym typeface="+mn-ea"/>
+            </a:endParaRPr>
+          </a:p>
+          <a:p>
+            <a:pPr algn="l"/>
+            <a:r>
+              <a:rPr lang="zh-CN" altLang="en-US" sz="1200">
+                <a:solidFill>
+                  <a:schemeClr val="tx1"/>
+                </a:solidFill>
+                <a:sym typeface="+mn-ea"/>
+              </a:rPr>
+              <a:t>        List&lt;Integer&gt; integerList = makeList(1, 2, 3, 4);</a:t>
+            </a:r>
+            <a:endParaRPr lang="zh-CN" altLang="en-US" sz="1200">
+              <a:solidFill>
+                <a:schemeClr val="tx1"/>
+              </a:solidFill>
+              <a:sym typeface="+mn-ea"/>
+            </a:endParaRPr>
+          </a:p>
+          <a:p>
+            <a:pPr algn="l"/>
+            <a:r>
+              <a:rPr lang="zh-CN" altLang="en-US" sz="1200">
+                <a:solidFill>
+                  <a:schemeClr val="tx1"/>
+                </a:solidFill>
+                <a:sym typeface="+mn-ea"/>
+              </a:rPr>
+              <a:t>        List&lt;Date&gt; dateList = makeList(new Date(0), new Date(100), new Date());</a:t>
             </a:r>
             <a:endParaRPr lang="zh-CN" altLang="en-US" sz="1200">
               <a:solidFill>
@@ -11785,7 +12329,43 @@
                 </a:solidFill>
                 <a:sym typeface="+mn-ea"/>
               </a:rPr>
-              <a:t>    public static &lt;T&gt; List&lt;T&gt; makeList(T... args) {</a:t>
+              <a:t>    public static </a:t>
+            </a:r>
+            <a:r>
+              <a:rPr lang="zh-CN" altLang="en-US" sz="1200" b="1">
+                <a:solidFill>
+                  <a:srgbClr val="FF0000"/>
+                </a:solidFill>
+                <a:sym typeface="+mn-ea"/>
+              </a:rPr>
+              <a:t>&lt;T&gt;</a:t>
+            </a:r>
+            <a:r>
+              <a:rPr lang="zh-CN" altLang="en-US" sz="1200">
+                <a:solidFill>
+                  <a:schemeClr val="tx1"/>
+                </a:solidFill>
+                <a:sym typeface="+mn-ea"/>
+              </a:rPr>
+              <a:t> List&lt;T&gt; makeList(</a:t>
+            </a:r>
+            <a:r>
+              <a:rPr lang="zh-CN" altLang="en-US" sz="1200" b="1">
+                <a:solidFill>
+                  <a:srgbClr val="FF0000"/>
+                </a:solidFill>
+                <a:sym typeface="+mn-ea"/>
+              </a:rPr>
+              <a:t>T... args</a:t>
+            </a:r>
+            <a:r>
+              <a:rPr lang="zh-CN" altLang="en-US" sz="1200">
+                <a:solidFill>
+                  <a:schemeClr val="tx1"/>
+                </a:solidFill>
+                <a:sym typeface="+mn-ea"/>
+              </a:rPr>
+              <a:t>) {</a:t>
             </a:r>
             <a:endParaRPr lang="zh-CN" altLang="en-US" sz="1200">
               <a:solidFill>
@@ -11958,573 +12538,6 @@
                 <a:sym typeface="+mn-ea"/>
               </a:rPr>
               <a:t>可变参数与范型方法</a:t>
-            </a:r>
-            <a:endParaRPr lang="zh-CN" altLang="en-US" b="1">
-              <a:solidFill>
-                <a:schemeClr val="bg1"/>
-              </a:solidFill>
-              <a:latin typeface="宋体" panose="02010600030101010101" pitchFamily="2" charset="-122"/>
-              <a:ea typeface="宋体" panose="02010600030101010101" pitchFamily="2" charset="-122"/>
-              <a:cs typeface="宋体" panose="02010600030101010101" pitchFamily="2" charset="-122"/>
-              <a:sym typeface="+mn-ea"/>
-            </a:endParaRPr>
-          </a:p>
-        </p:txBody>
-      </p:sp>
-      <p:sp>
-        <p:nvSpPr>
-          <p:cNvPr id="3" name="矩形 2"/>
-          <p:cNvSpPr/>
-          <p:nvPr/>
-        </p:nvSpPr>
-        <p:spPr>
-          <a:xfrm>
-            <a:off x="579755" y="3444875"/>
-            <a:ext cx="4315460" cy="2490470"/>
-          </a:xfrm>
-          <a:prstGeom prst="rect">
-            <a:avLst/>
-          </a:prstGeom>
-          <a:solidFill>
-            <a:schemeClr val="bg1"/>
-          </a:solidFill>
-          <a:ln w="28575">
-            <a:solidFill>
-              <a:srgbClr val="F59909"/>
-            </a:solidFill>
-          </a:ln>
-        </p:spPr>
-        <p:style>
-          <a:lnRef idx="2">
-            <a:schemeClr val="accent1">
-              <a:shade val="50000"/>
-            </a:schemeClr>
-          </a:lnRef>
-          <a:fillRef idx="1">
-            <a:schemeClr val="accent1"/>
-          </a:fillRef>
-          <a:effectRef idx="0">
-            <a:schemeClr val="accent1"/>
-          </a:effectRef>
-          <a:fontRef idx="minor">
-            <a:schemeClr val="lt1"/>
-          </a:fontRef>
-        </p:style>
-        <p:txBody>
-          <a:bodyPr rtlCol="0" anchor="ctr"/>
-          <a:p>
-            <a:pPr algn="l"/>
-            <a:r>
-              <a:rPr lang="zh-CN" altLang="en-US" sz="1200">
-                <a:solidFill>
-                  <a:schemeClr val="tx1"/>
-                </a:solidFill>
-                <a:sym typeface="+mn-ea"/>
-              </a:rPr>
-              <a:t>    /**</a:t>
-            </a:r>
-            <a:endParaRPr lang="zh-CN" altLang="en-US" sz="1200">
-              <a:solidFill>
-                <a:schemeClr val="tx1"/>
-              </a:solidFill>
-              <a:sym typeface="+mn-ea"/>
-            </a:endParaRPr>
-          </a:p>
-          <a:p>
-            <a:pPr algn="l"/>
-            <a:r>
-              <a:rPr lang="zh-CN" altLang="en-US" sz="1200">
-                <a:solidFill>
-                  <a:schemeClr val="tx1"/>
-                </a:solidFill>
-                <a:sym typeface="+mn-ea"/>
-              </a:rPr>
-              <a:t>     * 通配符</a:t>
-            </a:r>
-            <a:endParaRPr lang="zh-CN" altLang="en-US" sz="1200">
-              <a:solidFill>
-                <a:schemeClr val="tx1"/>
-              </a:solidFill>
-              <a:sym typeface="+mn-ea"/>
-            </a:endParaRPr>
-          </a:p>
-          <a:p>
-            <a:pPr algn="l"/>
-            <a:r>
-              <a:rPr lang="zh-CN" altLang="en-US" sz="1200">
-                <a:solidFill>
-                  <a:schemeClr val="tx1"/>
-                </a:solidFill>
-                <a:sym typeface="+mn-ea"/>
-              </a:rPr>
-              <a:t>     * @param lst</a:t>
-            </a:r>
-            <a:endParaRPr lang="zh-CN" altLang="en-US" sz="1200">
-              <a:solidFill>
-                <a:schemeClr val="tx1"/>
-              </a:solidFill>
-              <a:sym typeface="+mn-ea"/>
-            </a:endParaRPr>
-          </a:p>
-          <a:p>
-            <a:pPr algn="l"/>
-            <a:r>
-              <a:rPr lang="zh-CN" altLang="en-US" sz="1200">
-                <a:solidFill>
-                  <a:schemeClr val="tx1"/>
-                </a:solidFill>
-                <a:sym typeface="+mn-ea"/>
-              </a:rPr>
-              <a:t>     */</a:t>
-            </a:r>
-            <a:endParaRPr lang="zh-CN" altLang="en-US" sz="1200">
-              <a:solidFill>
-                <a:schemeClr val="tx1"/>
-              </a:solidFill>
-              <a:sym typeface="+mn-ea"/>
-            </a:endParaRPr>
-          </a:p>
-          <a:p>
-            <a:pPr algn="l"/>
-            <a:r>
-              <a:rPr lang="zh-CN" altLang="en-US" sz="1200">
-                <a:solidFill>
-                  <a:schemeClr val="tx1"/>
-                </a:solidFill>
-                <a:sym typeface="+mn-ea"/>
-              </a:rPr>
-              <a:t>    public static void printCollectionForList (List&lt;?&gt; lst) {</a:t>
-            </a:r>
-            <a:endParaRPr lang="zh-CN" altLang="en-US" sz="1200">
-              <a:solidFill>
-                <a:schemeClr val="tx1"/>
-              </a:solidFill>
-              <a:sym typeface="+mn-ea"/>
-            </a:endParaRPr>
-          </a:p>
-          <a:p>
-            <a:pPr algn="l"/>
-            <a:r>
-              <a:rPr lang="zh-CN" altLang="en-US" sz="1200">
-                <a:solidFill>
-                  <a:schemeClr val="tx1"/>
-                </a:solidFill>
-                <a:sym typeface="+mn-ea"/>
-              </a:rPr>
-              <a:t>        System.out.println(lst);</a:t>
-            </a:r>
-            <a:endParaRPr lang="zh-CN" altLang="en-US" sz="1200">
-              <a:solidFill>
-                <a:schemeClr val="tx1"/>
-              </a:solidFill>
-              <a:sym typeface="+mn-ea"/>
-            </a:endParaRPr>
-          </a:p>
-          <a:p>
-            <a:pPr algn="l"/>
-            <a:r>
-              <a:rPr lang="zh-CN" altLang="en-US" sz="1200">
-                <a:solidFill>
-                  <a:schemeClr val="tx1"/>
-                </a:solidFill>
-                <a:sym typeface="+mn-ea"/>
-              </a:rPr>
-              <a:t>    }</a:t>
-            </a:r>
-            <a:endParaRPr lang="zh-CN" altLang="en-US" sz="1200">
-              <a:solidFill>
-                <a:schemeClr val="tx1"/>
-              </a:solidFill>
-              <a:sym typeface="+mn-ea"/>
-            </a:endParaRPr>
-          </a:p>
-          <a:p>
-            <a:pPr algn="l"/>
-            <a:r>
-              <a:rPr lang="zh-CN" altLang="en-US" sz="1200">
-                <a:solidFill>
-                  <a:schemeClr val="tx1"/>
-                </a:solidFill>
-                <a:sym typeface="+mn-ea"/>
-              </a:rPr>
-              <a:t>    </a:t>
-            </a:r>
-            <a:endParaRPr lang="zh-CN" altLang="en-US" sz="1200">
-              <a:solidFill>
-                <a:schemeClr val="tx1"/>
-              </a:solidFill>
-              <a:sym typeface="+mn-ea"/>
-            </a:endParaRPr>
-          </a:p>
-          <a:p>
-            <a:pPr algn="l"/>
-            <a:r>
-              <a:rPr lang="zh-CN" altLang="en-US" sz="1200">
-                <a:solidFill>
-                  <a:schemeClr val="tx1"/>
-                </a:solidFill>
-                <a:sym typeface="+mn-ea"/>
-              </a:rPr>
-              <a:t>    public static &lt;T&gt; void printCollectionForList2 (List&lt;T&gt; lst) {</a:t>
-            </a:r>
-            <a:endParaRPr lang="zh-CN" altLang="en-US" sz="1200">
-              <a:solidFill>
-                <a:schemeClr val="tx1"/>
-              </a:solidFill>
-              <a:sym typeface="+mn-ea"/>
-            </a:endParaRPr>
-          </a:p>
-          <a:p>
-            <a:pPr algn="l"/>
-            <a:r>
-              <a:rPr lang="zh-CN" altLang="en-US" sz="1200">
-                <a:solidFill>
-                  <a:schemeClr val="tx1"/>
-                </a:solidFill>
-                <a:sym typeface="+mn-ea"/>
-              </a:rPr>
-              <a:t>        System.out.println(lst);</a:t>
-            </a:r>
-            <a:endParaRPr lang="zh-CN" altLang="en-US" sz="1200">
-              <a:solidFill>
-                <a:schemeClr val="tx1"/>
-              </a:solidFill>
-              <a:sym typeface="+mn-ea"/>
-            </a:endParaRPr>
-          </a:p>
-          <a:p>
-            <a:pPr algn="l"/>
-            <a:r>
-              <a:rPr lang="zh-CN" altLang="en-US" sz="1200">
-                <a:solidFill>
-                  <a:schemeClr val="tx1"/>
-                </a:solidFill>
-                <a:sym typeface="+mn-ea"/>
-              </a:rPr>
-              <a:t>    }</a:t>
-            </a:r>
-            <a:endParaRPr lang="zh-CN" altLang="en-US" sz="1200">
-              <a:solidFill>
-                <a:schemeClr val="tx1"/>
-              </a:solidFill>
-              <a:sym typeface="+mn-ea"/>
-            </a:endParaRPr>
-          </a:p>
-        </p:txBody>
-      </p:sp>
-      <p:sp>
-        <p:nvSpPr>
-          <p:cNvPr id="5" name="矩形 4"/>
-          <p:cNvSpPr/>
-          <p:nvPr/>
-        </p:nvSpPr>
-        <p:spPr>
-          <a:xfrm>
-            <a:off x="5060315" y="3444875"/>
-            <a:ext cx="4315460" cy="2490470"/>
-          </a:xfrm>
-          <a:prstGeom prst="rect">
-            <a:avLst/>
-          </a:prstGeom>
-          <a:solidFill>
-            <a:schemeClr val="bg1"/>
-          </a:solidFill>
-          <a:ln w="28575">
-            <a:solidFill>
-              <a:srgbClr val="F59909"/>
-            </a:solidFill>
-          </a:ln>
-        </p:spPr>
-        <p:style>
-          <a:lnRef idx="2">
-            <a:schemeClr val="accent1">
-              <a:shade val="50000"/>
-            </a:schemeClr>
-          </a:lnRef>
-          <a:fillRef idx="1">
-            <a:schemeClr val="accent1"/>
-          </a:fillRef>
-          <a:effectRef idx="0">
-            <a:schemeClr val="accent1"/>
-          </a:effectRef>
-          <a:fontRef idx="minor">
-            <a:schemeClr val="lt1"/>
-          </a:fontRef>
-        </p:style>
-        <p:txBody>
-          <a:bodyPr rtlCol="0" anchor="ctr"/>
-          <a:p>
-            <a:pPr algn="l"/>
-            <a:r>
-              <a:rPr lang="zh-CN" altLang="en-US" sz="1200">
-                <a:solidFill>
-                  <a:schemeClr val="tx1"/>
-                </a:solidFill>
-                <a:sym typeface="+mn-ea"/>
-              </a:rPr>
-              <a:t>    /**</a:t>
-            </a:r>
-            <a:endParaRPr lang="zh-CN" altLang="en-US" sz="1200">
-              <a:solidFill>
-                <a:schemeClr val="tx1"/>
-              </a:solidFill>
-              <a:sym typeface="+mn-ea"/>
-            </a:endParaRPr>
-          </a:p>
-          <a:p>
-            <a:pPr algn="l"/>
-            <a:r>
-              <a:rPr lang="zh-CN" altLang="en-US" sz="1200">
-                <a:solidFill>
-                  <a:schemeClr val="tx1"/>
-                </a:solidFill>
-                <a:sym typeface="+mn-ea"/>
-              </a:rPr>
-              <a:t>     * 通配符测试</a:t>
-            </a:r>
-            <a:endParaRPr lang="zh-CN" altLang="en-US" sz="1200">
-              <a:solidFill>
-                <a:schemeClr val="tx1"/>
-              </a:solidFill>
-              <a:sym typeface="+mn-ea"/>
-            </a:endParaRPr>
-          </a:p>
-          <a:p>
-            <a:pPr algn="l"/>
-            <a:r>
-              <a:rPr lang="zh-CN" altLang="en-US" sz="1200">
-                <a:solidFill>
-                  <a:schemeClr val="tx1"/>
-                </a:solidFill>
-                <a:sym typeface="+mn-ea"/>
-              </a:rPr>
-              <a:t>     * 通配符和 T 差不多，稍有区别</a:t>
-            </a:r>
-            <a:endParaRPr lang="zh-CN" altLang="en-US" sz="1200">
-              <a:solidFill>
-                <a:schemeClr val="tx1"/>
-              </a:solidFill>
-              <a:sym typeface="+mn-ea"/>
-            </a:endParaRPr>
-          </a:p>
-          <a:p>
-            <a:pPr algn="l"/>
-            <a:r>
-              <a:rPr lang="zh-CN" altLang="en-US" sz="1200">
-                <a:solidFill>
-                  <a:schemeClr val="tx1"/>
-                </a:solidFill>
-                <a:sym typeface="+mn-ea"/>
-              </a:rPr>
-              <a:t>     */</a:t>
-            </a:r>
-            <a:endParaRPr lang="zh-CN" altLang="en-US" sz="1200">
-              <a:solidFill>
-                <a:schemeClr val="tx1"/>
-              </a:solidFill>
-              <a:sym typeface="+mn-ea"/>
-            </a:endParaRPr>
-          </a:p>
-          <a:p>
-            <a:pPr algn="l"/>
-            <a:r>
-              <a:rPr lang="zh-CN" altLang="en-US" sz="1200">
-                <a:solidFill>
-                  <a:schemeClr val="tx1"/>
-                </a:solidFill>
-                <a:sym typeface="+mn-ea"/>
-              </a:rPr>
-              <a:t>    @Test</a:t>
-            </a:r>
-            <a:endParaRPr lang="zh-CN" altLang="en-US" sz="1200">
-              <a:solidFill>
-                <a:schemeClr val="tx1"/>
-              </a:solidFill>
-              <a:sym typeface="+mn-ea"/>
-            </a:endParaRPr>
-          </a:p>
-          <a:p>
-            <a:pPr algn="l"/>
-            <a:r>
-              <a:rPr lang="zh-CN" altLang="en-US" sz="1200">
-                <a:solidFill>
-                  <a:schemeClr val="tx1"/>
-                </a:solidFill>
-                <a:sym typeface="+mn-ea"/>
-              </a:rPr>
-              <a:t>    public void testQuestion () {</a:t>
-            </a:r>
-            <a:endParaRPr lang="zh-CN" altLang="en-US" sz="1200">
-              <a:solidFill>
-                <a:schemeClr val="tx1"/>
-              </a:solidFill>
-              <a:sym typeface="+mn-ea"/>
-            </a:endParaRPr>
-          </a:p>
-          <a:p>
-            <a:pPr algn="l"/>
-            <a:r>
-              <a:rPr lang="zh-CN" altLang="en-US" sz="1200">
-                <a:solidFill>
-                  <a:schemeClr val="tx1"/>
-                </a:solidFill>
-                <a:sym typeface="+mn-ea"/>
-              </a:rPr>
-              <a:t>        printCollectionForList(Arrays.asList(1, 2, 3, 4));</a:t>
-            </a:r>
-            <a:endParaRPr lang="zh-CN" altLang="en-US" sz="1200">
-              <a:solidFill>
-                <a:schemeClr val="tx1"/>
-              </a:solidFill>
-              <a:sym typeface="+mn-ea"/>
-            </a:endParaRPr>
-          </a:p>
-          <a:p>
-            <a:pPr algn="l"/>
-            <a:r>
-              <a:rPr lang="zh-CN" altLang="en-US" sz="1200">
-                <a:solidFill>
-                  <a:schemeClr val="tx1"/>
-                </a:solidFill>
-                <a:sym typeface="+mn-ea"/>
-              </a:rPr>
-              <a:t>        printCollectionForList(Arrays.asList("hello", "world"));</a:t>
-            </a:r>
-            <a:endParaRPr lang="zh-CN" altLang="en-US" sz="1200">
-              <a:solidFill>
-                <a:schemeClr val="tx1"/>
-              </a:solidFill>
-              <a:sym typeface="+mn-ea"/>
-            </a:endParaRPr>
-          </a:p>
-          <a:p>
-            <a:pPr algn="l"/>
-            <a:r>
-              <a:rPr lang="zh-CN" altLang="en-US" sz="1200">
-                <a:solidFill>
-                  <a:schemeClr val="tx1"/>
-                </a:solidFill>
-                <a:sym typeface="+mn-ea"/>
-              </a:rPr>
-              <a:t>        </a:t>
-            </a:r>
-            <a:endParaRPr lang="zh-CN" altLang="en-US" sz="1200">
-              <a:solidFill>
-                <a:schemeClr val="tx1"/>
-              </a:solidFill>
-              <a:sym typeface="+mn-ea"/>
-            </a:endParaRPr>
-          </a:p>
-          <a:p>
-            <a:pPr algn="l"/>
-            <a:r>
-              <a:rPr lang="zh-CN" altLang="en-US" sz="1200">
-                <a:solidFill>
-                  <a:schemeClr val="tx1"/>
-                </a:solidFill>
-                <a:sym typeface="+mn-ea"/>
-              </a:rPr>
-              <a:t>        printCollectionForList2(Arrays.asList(1, 2, 3, 4));</a:t>
-            </a:r>
-            <a:endParaRPr lang="zh-CN" altLang="en-US" sz="1200">
-              <a:solidFill>
-                <a:schemeClr val="tx1"/>
-              </a:solidFill>
-              <a:sym typeface="+mn-ea"/>
-            </a:endParaRPr>
-          </a:p>
-          <a:p>
-            <a:pPr algn="l"/>
-            <a:r>
-              <a:rPr lang="zh-CN" altLang="en-US" sz="1200">
-                <a:solidFill>
-                  <a:schemeClr val="tx1"/>
-                </a:solidFill>
-                <a:sym typeface="+mn-ea"/>
-              </a:rPr>
-              <a:t>        printCollectionForList2(Arrays.asList("hello", "world"));</a:t>
-            </a:r>
-            <a:endParaRPr lang="zh-CN" altLang="en-US" sz="1200">
-              <a:solidFill>
-                <a:schemeClr val="tx1"/>
-              </a:solidFill>
-              <a:sym typeface="+mn-ea"/>
-            </a:endParaRPr>
-          </a:p>
-          <a:p>
-            <a:pPr algn="l"/>
-            <a:r>
-              <a:rPr lang="zh-CN" altLang="en-US" sz="1200">
-                <a:solidFill>
-                  <a:schemeClr val="tx1"/>
-                </a:solidFill>
-                <a:sym typeface="+mn-ea"/>
-              </a:rPr>
-              <a:t>    }</a:t>
-            </a:r>
-            <a:endParaRPr lang="zh-CN" altLang="en-US" sz="1200">
-              <a:solidFill>
-                <a:schemeClr val="tx1"/>
-              </a:solidFill>
-              <a:sym typeface="+mn-ea"/>
-            </a:endParaRPr>
-          </a:p>
-        </p:txBody>
-      </p:sp>
-      <p:sp>
-        <p:nvSpPr>
-          <p:cNvPr id="6" name="矩形 5"/>
-          <p:cNvSpPr/>
-          <p:nvPr/>
-        </p:nvSpPr>
-        <p:spPr>
-          <a:xfrm>
-            <a:off x="2317115" y="6051550"/>
-            <a:ext cx="2578100" cy="456565"/>
-          </a:xfrm>
-          <a:prstGeom prst="rect">
-            <a:avLst/>
-          </a:prstGeom>
-          <a:solidFill>
-            <a:srgbClr val="F59909"/>
-          </a:solidFill>
-          <a:ln>
-            <a:solidFill>
-              <a:schemeClr val="bg1"/>
-            </a:solidFill>
-          </a:ln>
-        </p:spPr>
-        <p:style>
-          <a:lnRef idx="2">
-            <a:schemeClr val="accent1">
-              <a:shade val="50000"/>
-            </a:schemeClr>
-          </a:lnRef>
-          <a:fillRef idx="1">
-            <a:schemeClr val="accent1"/>
-          </a:fillRef>
-          <a:effectRef idx="0">
-            <a:schemeClr val="accent1"/>
-          </a:effectRef>
-          <a:fontRef idx="minor">
-            <a:schemeClr val="lt1"/>
-          </a:fontRef>
-        </p:style>
-        <p:txBody>
-          <a:bodyPr rtlCol="0" anchor="ctr"/>
-          <a:p>
-            <a:pPr algn="ctr"/>
-            <a:r>
-              <a:rPr lang="zh-CN" altLang="en-US" b="1">
-                <a:solidFill>
-                  <a:schemeClr val="bg1"/>
-                </a:solidFill>
-                <a:latin typeface="宋体" panose="02010600030101010101" pitchFamily="2" charset="-122"/>
-                <a:ea typeface="宋体" panose="02010600030101010101" pitchFamily="2" charset="-122"/>
-                <a:cs typeface="宋体" panose="02010600030101010101" pitchFamily="2" charset="-122"/>
-                <a:sym typeface="+mn-ea"/>
-              </a:rPr>
-              <a:t>通配符泛型</a:t>
             </a:r>
             <a:endParaRPr lang="zh-CN" altLang="en-US" b="1">
               <a:solidFill>
@@ -12746,7 +12759,43 @@
                 </a:solidFill>
                 <a:sym typeface="+mn-ea"/>
               </a:rPr>
-              <a:t>    public &lt;K,V&gt; Map&lt;V,K&gt; changeMap (Map&lt;K, V&gt; map) {</a:t>
+              <a:t>    public </a:t>
+            </a:r>
+            <a:r>
+              <a:rPr lang="zh-CN" altLang="en-US" sz="1200" b="1">
+                <a:solidFill>
+                  <a:srgbClr val="FF0000"/>
+                </a:solidFill>
+                <a:sym typeface="+mn-ea"/>
+              </a:rPr>
+              <a:t>&lt;K,V&gt; </a:t>
+            </a:r>
+            <a:r>
+              <a:rPr lang="zh-CN" altLang="en-US" sz="1200">
+                <a:solidFill>
+                  <a:schemeClr val="tx1"/>
+                </a:solidFill>
+                <a:sym typeface="+mn-ea"/>
+              </a:rPr>
+              <a:t>Map&lt;V,K&gt; changeMap (</a:t>
+            </a:r>
+            <a:r>
+              <a:rPr lang="zh-CN" altLang="en-US" sz="1200" b="1">
+                <a:solidFill>
+                  <a:srgbClr val="FF0000"/>
+                </a:solidFill>
+                <a:sym typeface="+mn-ea"/>
+              </a:rPr>
+              <a:t>Map&lt;K, V&gt; map</a:t>
+            </a:r>
+            <a:r>
+              <a:rPr lang="zh-CN" altLang="en-US" sz="1200">
+                <a:solidFill>
+                  <a:schemeClr val="tx1"/>
+                </a:solidFill>
+                <a:sym typeface="+mn-ea"/>
+              </a:rPr>
+              <a:t>) {</a:t>
             </a:r>
             <a:endParaRPr lang="zh-CN" altLang="en-US" sz="1200">
               <a:solidFill>
@@ -13203,7 +13252,25 @@
                 </a:solidFill>
                 <a:sym typeface="+mn-ea"/>
               </a:rPr>
-              <a:t>        map2.put("tom", new Date());</a:t>
+              <a:t>        map2.put("tom", new Date(</a:t>
+            </a:r>
+            <a:r>
+              <a:rPr lang="en-US" altLang="zh-CN" sz="1200">
+                <a:solidFill>
+                  <a:schemeClr val="tx1"/>
+                </a:solidFill>
+                <a:sym typeface="+mn-ea"/>
+              </a:rPr>
+              <a:t>0</a:t>
+            </a:r>
+            <a:r>
+              <a:rPr lang="zh-CN" altLang="en-US" sz="1200">
+                <a:solidFill>
+                  <a:schemeClr val="tx1"/>
+                </a:solidFill>
+                <a:sym typeface="+mn-ea"/>
+              </a:rPr>
+              <a:t>));</a:t>
             </a:r>
             <a:endParaRPr lang="zh-CN" altLang="en-US" sz="1200">
               <a:solidFill>
@@ -15028,25 +15095,25 @@
                 </a:solidFill>
                 <a:sym typeface="+mn-ea"/>
               </a:rPr>
-              <a:t>        Method addMethod02 = lst.getClass().getMethod("add", Object.class);</a:t>
-            </a:r>
-            <a:endParaRPr lang="zh-CN" altLang="en-US" sz="1200">
-              <a:solidFill>
-                <a:schemeClr val="tx1"/>
-              </a:solidFill>
-              <a:sym typeface="+mn-ea"/>
-            </a:endParaRPr>
-          </a:p>
-          <a:p>
-            <a:pPr algn="l"/>
-            <a:r>
-              <a:rPr lang="zh-CN" altLang="en-US" sz="1200">
-                <a:solidFill>
-                  <a:schemeClr val="tx1"/>
-                </a:solidFill>
-                <a:sym typeface="+mn-ea"/>
-              </a:rPr>
-              <a:t>        addMethod02.invoke(lst, 10);</a:t>
+              <a:t>        Method addMethod = lst.getClass().getMethod("add", Object.class);</a:t>
+            </a:r>
+            <a:endParaRPr lang="zh-CN" altLang="en-US" sz="1200">
+              <a:solidFill>
+                <a:schemeClr val="tx1"/>
+              </a:solidFill>
+              <a:sym typeface="+mn-ea"/>
+            </a:endParaRPr>
+          </a:p>
+          <a:p>
+            <a:pPr algn="l"/>
+            <a:r>
+              <a:rPr lang="zh-CN" altLang="en-US" sz="1200">
+                <a:solidFill>
+                  <a:schemeClr val="tx1"/>
+                </a:solidFill>
+                <a:sym typeface="+mn-ea"/>
+              </a:rPr>
+              <a:t>        addMethod.invoke(lst, 10);</a:t>
             </a:r>
             <a:endParaRPr lang="zh-CN" altLang="en-US" sz="1200">
               <a:solidFill>
@@ -15496,7 +15563,43 @@
                 </a:solidFill>
                 <a:sym typeface="+mn-ea"/>
               </a:rPr>
-              <a:t>    public static &lt;T&gt; T getRandom (T... args) {</a:t>
+              <a:t>    public static </a:t>
+            </a:r>
+            <a:r>
+              <a:rPr lang="zh-CN" altLang="en-US" sz="1200" b="1">
+                <a:solidFill>
+                  <a:srgbClr val="FF0000"/>
+                </a:solidFill>
+                <a:sym typeface="+mn-ea"/>
+              </a:rPr>
+              <a:t>&lt;T&gt;</a:t>
+            </a:r>
+            <a:r>
+              <a:rPr lang="zh-CN" altLang="en-US" sz="1200">
+                <a:solidFill>
+                  <a:schemeClr val="tx1"/>
+                </a:solidFill>
+                <a:sym typeface="+mn-ea"/>
+              </a:rPr>
+              <a:t> T getRandom (</a:t>
+            </a:r>
+            <a:r>
+              <a:rPr lang="zh-CN" altLang="en-US" sz="1200" b="1">
+                <a:solidFill>
+                  <a:srgbClr val="FF0000"/>
+                </a:solidFill>
+                <a:sym typeface="+mn-ea"/>
+              </a:rPr>
+              <a:t>T... args</a:t>
+            </a:r>
+            <a:r>
+              <a:rPr lang="zh-CN" altLang="en-US" sz="1200">
+                <a:solidFill>
+                  <a:schemeClr val="tx1"/>
+                </a:solidFill>
+                <a:sym typeface="+mn-ea"/>
+              </a:rPr>
+              <a:t>) {</a:t>
             </a:r>
             <a:endParaRPr lang="zh-CN" altLang="en-US" sz="1200">
               <a:solidFill>
@@ -16117,7 +16220,7 @@
         </p:nvSpPr>
         <p:spPr>
           <a:xfrm>
-            <a:off x="3330575" y="841375"/>
+            <a:off x="3321685" y="2253615"/>
             <a:ext cx="8301990" cy="949960"/>
           </a:xfrm>
           <a:prstGeom prst="rect">
@@ -16181,15 +16284,48 @@
           <a:p>
             <a:pPr algn="l"/>
             <a:r>
-              <a:rPr lang="zh-CN" altLang="en-US" sz="1200">
-                <a:solidFill>
-                  <a:schemeClr val="tx1"/>
+              <a:rPr lang="zh-CN" altLang="en-US" sz="1200" b="1">
+                <a:solidFill>
+                  <a:srgbClr val="FF0000"/>
                 </a:solidFill>
                 <a:latin typeface="+mn-ea"/>
                 <a:cs typeface="+mn-ea"/>
                 <a:sym typeface="+mn-ea"/>
               </a:rPr>
-              <a:t>上边界类型通配符（&lt;? extends 父类型&gt;）：因为可以确定父类型，所以可以以父类型去获取数据（向上转型）。</a:t>
+              <a:t>上边界类型通配符</a:t>
+            </a:r>
+            <a:r>
+              <a:rPr lang="zh-CN" altLang="en-US" sz="1200">
+                <a:solidFill>
+                  <a:schemeClr val="tx1"/>
+                </a:solidFill>
+                <a:latin typeface="+mn-ea"/>
+                <a:cs typeface="+mn-ea"/>
+                <a:sym typeface="+mn-ea"/>
+              </a:rPr>
+              <a:t>（</a:t>
+            </a:r>
+            <a:r>
+              <a:rPr lang="zh-CN" altLang="en-US" sz="1200" b="1">
+                <a:solidFill>
+                  <a:srgbClr val="FF0000"/>
+                </a:solidFill>
+                <a:latin typeface="+mn-ea"/>
+                <a:cs typeface="+mn-ea"/>
+                <a:sym typeface="+mn-ea"/>
+              </a:rPr>
+              <a:t>&lt;? extends 父类型&gt;</a:t>
+            </a:r>
+            <a:r>
+              <a:rPr lang="zh-CN" altLang="en-US" sz="1200">
+                <a:solidFill>
+                  <a:schemeClr val="tx1"/>
+                </a:solidFill>
+                <a:latin typeface="+mn-ea"/>
+                <a:cs typeface="+mn-ea"/>
+                <a:sym typeface="+mn-ea"/>
+              </a:rPr>
+              <a:t>）：因为可以确定父类型，所以可以以父类型去获取数据（向上转型）。</a:t>
             </a:r>
             <a:endParaRPr lang="zh-CN" altLang="en-US" sz="1200">
               <a:solidFill>
@@ -16210,7 +16346,7 @@
         </p:nvSpPr>
         <p:spPr>
           <a:xfrm>
-            <a:off x="326390" y="2185035"/>
+            <a:off x="317500" y="3597275"/>
             <a:ext cx="2386965" cy="456565"/>
           </a:xfrm>
           <a:prstGeom prst="rect">
@@ -16283,7 +16419,7 @@
         </p:nvSpPr>
         <p:spPr>
           <a:xfrm>
-            <a:off x="3348990" y="1979295"/>
+            <a:off x="3340100" y="3391535"/>
             <a:ext cx="8282940" cy="949960"/>
           </a:xfrm>
           <a:prstGeom prst="rect">
@@ -16376,7 +16512,7 @@
         </p:nvSpPr>
         <p:spPr>
           <a:xfrm>
-            <a:off x="3330575" y="3035935"/>
+            <a:off x="3321685" y="4448175"/>
             <a:ext cx="8301355" cy="949960"/>
           </a:xfrm>
           <a:prstGeom prst="rect">
@@ -16436,7 +16572,7 @@
         </p:nvSpPr>
         <p:spPr>
           <a:xfrm>
-            <a:off x="10154920" y="702310"/>
+            <a:off x="10146030" y="2114550"/>
             <a:ext cx="1336040" cy="393700"/>
           </a:xfrm>
           <a:prstGeom prst="rect">
@@ -16500,7 +16636,7 @@
         </p:nvSpPr>
         <p:spPr>
           <a:xfrm>
-            <a:off x="10154920" y="1860550"/>
+            <a:off x="10146030" y="3272790"/>
             <a:ext cx="1336040" cy="393700"/>
           </a:xfrm>
           <a:prstGeom prst="rect">
@@ -16564,7 +16700,7 @@
         </p:nvSpPr>
         <p:spPr>
           <a:xfrm>
-            <a:off x="2894330" y="841375"/>
+            <a:off x="2885440" y="2253615"/>
             <a:ext cx="317500" cy="3144520"/>
           </a:xfrm>
           <a:prstGeom prst="leftBrace">
@@ -16599,6 +16735,84 @@
                 <a:schemeClr val="tx1"/>
               </a:solidFill>
               <a:latin typeface="+mn-ea"/>
+            </a:endParaRPr>
+          </a:p>
+        </p:txBody>
+      </p:sp>
+      <p:sp>
+        <p:nvSpPr>
+          <p:cNvPr id="11" name="云形标注 10"/>
+          <p:cNvSpPr/>
+          <p:nvPr/>
+        </p:nvSpPr>
+        <p:spPr>
+          <a:xfrm>
+            <a:off x="9364345" y="172720"/>
+            <a:ext cx="2258695" cy="1302385"/>
+          </a:xfrm>
+          <a:prstGeom prst="cloudCallout">
+            <a:avLst>
+              <a:gd name="adj1" fmla="val -48256"/>
+              <a:gd name="adj2" fmla="val 91101"/>
+            </a:avLst>
+          </a:prstGeom>
+          <a:solidFill>
+            <a:srgbClr val="DBEEDF"/>
+          </a:solidFill>
+          <a:ln>
+            <a:solidFill>
+              <a:srgbClr val="DBEEDF"/>
+            </a:solidFill>
+          </a:ln>
+        </p:spPr>
+        <p:style>
+          <a:lnRef idx="2">
+            <a:schemeClr val="accent1">
+              <a:shade val="50000"/>
+            </a:schemeClr>
+          </a:lnRef>
+          <a:fillRef idx="1">
+            <a:schemeClr val="accent1"/>
+          </a:fillRef>
+          <a:effectRef idx="0">
+            <a:schemeClr val="accent1"/>
+          </a:effectRef>
+          <a:fontRef idx="minor">
+            <a:schemeClr val="lt1"/>
+          </a:fontRef>
+        </p:style>
+        <p:txBody>
+          <a:bodyPr rtlCol="0" anchor="ctr"/>
+          <a:p>
+            <a:pPr algn="ctr"/>
+            <a:r>
+              <a:rPr lang="zh-CN" altLang="en-US">
+                <a:solidFill>
+                  <a:srgbClr val="F7AF3F"/>
+                </a:solidFill>
+              </a:rPr>
+              <a:t>能力拓展</a:t>
+            </a:r>
+            <a:endParaRPr lang="zh-CN" altLang="en-US">
+              <a:solidFill>
+                <a:srgbClr val="F7AF3F"/>
+              </a:solidFill>
+            </a:endParaRPr>
+          </a:p>
+          <a:p>
+            <a:pPr algn="ctr"/>
+            <a:r>
+              <a:rPr lang="zh-CN" altLang="en-US">
+                <a:solidFill>
+                  <a:srgbClr val="F7AF3F"/>
+                </a:solidFill>
+              </a:rPr>
+              <a:t>（课后自学）</a:t>
+            </a:r>
+            <a:endParaRPr lang="zh-CN" altLang="en-US">
+              <a:solidFill>
+                <a:srgbClr val="F7AF3F"/>
+              </a:solidFill>
             </a:endParaRPr>
           </a:p>
         </p:txBody>
@@ -19912,7 +20126,7 @@
         <p:spPr>
           <a:xfrm>
             <a:off x="2505710" y="1920875"/>
-            <a:ext cx="2546350" cy="368300"/>
+            <a:ext cx="2882265" cy="368300"/>
           </a:xfrm>
           <a:prstGeom prst="rect">
             <a:avLst/>
@@ -19930,7 +20144,7 @@
                   <a:schemeClr val="accent1"/>
                 </a:solidFill>
               </a:rPr>
-              <a:t>Plate&lt;? extend Fruit&gt;</a:t>
+              <a:t>Plate&lt;? extends Fruit&gt;</a:t>
             </a:r>
             <a:endParaRPr lang="en-US" altLang="zh-CN" b="1">
               <a:solidFill>
@@ -19967,7 +20181,7 @@
                   <a:srgbClr val="36A44E"/>
                 </a:solidFill>
               </a:rPr>
-              <a:t>Plate&lt;? extend Fruit&gt; plate = new Plate&lt;Apple&gt;()</a:t>
+              <a:t>Plate&lt;? extends Fruit&gt; plate = new Plate&lt;Apple&gt;()</a:t>
             </a:r>
             <a:endParaRPr lang="en-US" altLang="zh-CN" b="1">
               <a:solidFill>
@@ -20408,7 +20622,7 @@
                   <a:schemeClr val="accent1"/>
                 </a:solidFill>
               </a:rPr>
-              <a:t>Plate&lt;? extend Fruit&gt; plate = new Plate&lt;Fruit&gt;()</a:t>
+              <a:t>Plate&lt;? extends Fruit&gt; plate = new Plate&lt;Fruit&gt;()</a:t>
             </a:r>
             <a:endParaRPr lang="en-US" altLang="zh-CN" b="1">
               <a:solidFill>
@@ -21194,7 +21408,29 @@
                 <a:cs typeface="+mn-ea"/>
                 <a:sym typeface="+mn-ea"/>
               </a:rPr>
-              <a:t>泛型的本质是参数化类型，也就是说所操作的数据类型被指定为一个参数。这种参数类型可以用在类、接口和方法的创建中，分别称为泛型类、泛型接口、泛型方法。Java语言引入泛型的好处是安全简单。</a:t>
+              <a:t>泛型的</a:t>
+            </a:r>
+            <a:r>
+              <a:rPr lang="en-US" altLang="zh-CN" sz="1200" b="1">
+                <a:solidFill>
+                  <a:srgbClr val="FF0000"/>
+                </a:solidFill>
+                <a:latin typeface="+mn-ea"/>
+                <a:cs typeface="+mn-ea"/>
+                <a:sym typeface="+mn-ea"/>
+              </a:rPr>
+              <a:t>本质是参数化类型</a:t>
+            </a:r>
+            <a:r>
+              <a:rPr lang="en-US" altLang="zh-CN" sz="1200">
+                <a:solidFill>
+                  <a:schemeClr val="tx1"/>
+                </a:solidFill>
+                <a:latin typeface="+mn-ea"/>
+                <a:cs typeface="+mn-ea"/>
+                <a:sym typeface="+mn-ea"/>
+              </a:rPr>
+              <a:t>，也就是说所操作的数据类型被指定为一个参数。这种参数类型可以用在类、接口和方法的创建中，分别称为泛型类、泛型接口、泛型方法。Java语言引入泛型的好处是安全简单。</a:t>
             </a:r>
             <a:endParaRPr lang="en-US" altLang="zh-CN" sz="1200">
               <a:solidFill>
@@ -21968,9 +22204,18 @@
                 </a:solidFill>
                 <a:sym typeface="+mn-ea"/>
               </a:rPr>
-              <a:t>            System.out.println(date);</a:t>
-            </a:r>
-            <a:endParaRPr lang="zh-CN" altLang="en-US" sz="1200">
+              <a:t>           </a:t>
+            </a:r>
+            <a:r>
+              <a:rPr sz="1200">
+                <a:solidFill>
+                  <a:schemeClr val="tx1"/>
+                </a:solidFill>
+                <a:sym typeface="+mn-ea"/>
+              </a:rPr>
+              <a:t> System.out.println(date.getTime());</a:t>
+            </a:r>
+            <a:endParaRPr sz="1200">
               <a:solidFill>
                 <a:schemeClr val="tx1"/>
               </a:solidFill>
@@ -22676,7 +22921,7 @@
         <p:spPr>
           <a:xfrm>
             <a:off x="151130" y="767715"/>
-            <a:ext cx="6154420" cy="5195570"/>
+            <a:ext cx="6154420" cy="5953125"/>
           </a:xfrm>
           <a:prstGeom prst="rect">
             <a:avLst/>
@@ -22717,7 +22962,25 @@
                 </a:solidFill>
                 <a:sym typeface="+mn-ea"/>
               </a:rPr>
-              <a:t>    private static String generateRandomInArray (String[] strArr) {</a:t>
+              <a:t>    private static String </a:t>
+            </a:r>
+            <a:r>
+              <a:rPr lang="zh-CN" altLang="en-US" sz="1200" b="1">
+                <a:solidFill>
+                  <a:srgbClr val="FF0000"/>
+                </a:solidFill>
+                <a:sym typeface="+mn-ea"/>
+              </a:rPr>
+              <a:t>generateRandomInArray (String[] strArr) </a:t>
+            </a:r>
+            <a:r>
+              <a:rPr lang="zh-CN" altLang="en-US" sz="1200">
+                <a:solidFill>
+                  <a:schemeClr val="tx1"/>
+                </a:solidFill>
+                <a:sym typeface="+mn-ea"/>
+              </a:rPr>
+              <a:t>{</a:t>
             </a:r>
             <a:endParaRPr lang="zh-CN" altLang="en-US" sz="1200">
               <a:solidFill>
@@ -22843,7 +23106,25 @@
                 </a:solidFill>
                 <a:sym typeface="+mn-ea"/>
               </a:rPr>
-              <a:t>    private static Integer generateRandomInArray (Integer[] intArr) {</a:t>
+              <a:t>    private static Integer </a:t>
+            </a:r>
+            <a:r>
+              <a:rPr lang="zh-CN" altLang="en-US" sz="1200" b="1">
+                <a:solidFill>
+                  <a:srgbClr val="FF0000"/>
+                </a:solidFill>
+                <a:sym typeface="+mn-ea"/>
+              </a:rPr>
+              <a:t>generateRandomInArray (Integer[] intArr) </a:t>
+            </a:r>
+            <a:r>
+              <a:rPr lang="zh-CN" altLang="en-US" sz="1200">
+                <a:solidFill>
+                  <a:schemeClr val="tx1"/>
+                </a:solidFill>
+                <a:sym typeface="+mn-ea"/>
+              </a:rPr>
+              <a:t>{</a:t>
             </a:r>
             <a:endParaRPr lang="zh-CN" altLang="en-US" sz="1200">
               <a:solidFill>
@@ -22969,7 +23250,25 @@
                 </a:solidFill>
                 <a:sym typeface="+mn-ea"/>
               </a:rPr>
-              <a:t>    private static Date generateRandomInArray (Date[] dateArr) {</a:t>
+              <a:t>    private static Date </a:t>
+            </a:r>
+            <a:r>
+              <a:rPr lang="zh-CN" altLang="en-US" sz="1200" b="1">
+                <a:solidFill>
+                  <a:srgbClr val="FF0000"/>
+                </a:solidFill>
+                <a:sym typeface="+mn-ea"/>
+              </a:rPr>
+              <a:t>generateRandomInArray (Date[] dateArr)</a:t>
+            </a:r>
+            <a:r>
+              <a:rPr lang="zh-CN" altLang="en-US" sz="1200">
+                <a:solidFill>
+                  <a:schemeClr val="tx1"/>
+                </a:solidFill>
+                <a:sym typeface="+mn-ea"/>
+              </a:rPr>
+              <a:t> {</a:t>
             </a:r>
             <a:endParaRPr lang="zh-CN" altLang="en-US" sz="1200">
               <a:solidFill>
@@ -23077,6 +23376,78 @@
                 </a:solidFill>
                 <a:sym typeface="+mn-ea"/>
               </a:rPr>
+              <a:t>    public static Object </a:t>
+            </a:r>
+            <a:r>
+              <a:rPr lang="zh-CN" altLang="en-US" sz="1200" b="1">
+                <a:solidFill>
+                  <a:srgbClr val="FF0000"/>
+                </a:solidFill>
+                <a:sym typeface="+mn-ea"/>
+              </a:rPr>
+              <a:t>generateRandomInArray (Object[] objectArr)</a:t>
+            </a:r>
+            <a:r>
+              <a:rPr lang="zh-CN" altLang="en-US" sz="1200">
+                <a:solidFill>
+                  <a:schemeClr val="tx1"/>
+                </a:solidFill>
+                <a:sym typeface="+mn-ea"/>
+              </a:rPr>
+              <a:t> {</a:t>
+            </a:r>
+            <a:endParaRPr lang="zh-CN" altLang="en-US" sz="1200">
+              <a:solidFill>
+                <a:schemeClr val="tx1"/>
+              </a:solidFill>
+              <a:sym typeface="+mn-ea"/>
+            </a:endParaRPr>
+          </a:p>
+          <a:p>
+            <a:pPr algn="l"/>
+            <a:r>
+              <a:rPr lang="zh-CN" altLang="en-US" sz="1200">
+                <a:solidFill>
+                  <a:schemeClr val="tx1"/>
+                </a:solidFill>
+                <a:sym typeface="+mn-ea"/>
+              </a:rPr>
+              <a:t>        return objectArr[new Random().nextInt(objectArr.length)];</a:t>
+            </a:r>
+            <a:endParaRPr lang="zh-CN" altLang="en-US" sz="1200">
+              <a:solidFill>
+                <a:schemeClr val="tx1"/>
+              </a:solidFill>
+              <a:sym typeface="+mn-ea"/>
+            </a:endParaRPr>
+          </a:p>
+          <a:p>
+            <a:pPr algn="l"/>
+            <a:r>
+              <a:rPr lang="zh-CN" altLang="en-US" sz="1200">
+                <a:solidFill>
+                  <a:schemeClr val="tx1"/>
+                </a:solidFill>
+                <a:sym typeface="+mn-ea"/>
+              </a:rPr>
+              <a:t>    }</a:t>
+            </a:r>
+            <a:endParaRPr lang="zh-CN" altLang="en-US" sz="1200">
+              <a:solidFill>
+                <a:schemeClr val="tx1"/>
+              </a:solidFill>
+              <a:sym typeface="+mn-ea"/>
+            </a:endParaRPr>
+          </a:p>
+          <a:p>
+            <a:pPr algn="l"/>
+            <a:r>
+              <a:rPr lang="zh-CN" altLang="en-US" sz="1200">
+                <a:solidFill>
+                  <a:schemeClr val="tx1"/>
+                </a:solidFill>
+                <a:sym typeface="+mn-ea"/>
+              </a:rPr>
               <a:t>    </a:t>
             </a:r>
             <a:endParaRPr lang="zh-CN" altLang="en-US" sz="1200">
@@ -23168,6 +23539,60 @@
                 <a:sym typeface="+mn-ea"/>
               </a:rPr>
               <a:t>        System.out.println(generateRandomInArray(new Date[] {new Date(), new Date()}));</a:t>
+            </a:r>
+            <a:endParaRPr lang="zh-CN" altLang="en-US" sz="1200">
+              <a:solidFill>
+                <a:schemeClr val="tx1"/>
+              </a:solidFill>
+              <a:sym typeface="+mn-ea"/>
+            </a:endParaRPr>
+          </a:p>
+          <a:p>
+            <a:pPr algn="l"/>
+            <a:r>
+              <a:rPr lang="zh-CN" altLang="en-US" sz="1200">
+                <a:solidFill>
+                  <a:schemeClr val="tx1"/>
+                </a:solidFill>
+                <a:sym typeface="+mn-ea"/>
+              </a:rPr>
+              <a:t>        Object obj = generateRandomInArray(new Boolean[]{true, false, true, false});</a:t>
+            </a:r>
+            <a:endParaRPr lang="zh-CN" altLang="en-US" sz="1200">
+              <a:solidFill>
+                <a:schemeClr val="tx1"/>
+              </a:solidFill>
+              <a:sym typeface="+mn-ea"/>
+            </a:endParaRPr>
+          </a:p>
+          <a:p>
+            <a:pPr algn="l"/>
+            <a:r>
+              <a:rPr lang="zh-CN" altLang="en-US" sz="1200">
+                <a:solidFill>
+                  <a:schemeClr val="tx1"/>
+                </a:solidFill>
+                <a:sym typeface="+mn-ea"/>
+              </a:rPr>
+              <a:t>        System.out.println(</a:t>
+            </a:r>
+            <a:r>
+              <a:rPr lang="zh-CN" altLang="en-US" sz="1200" b="1">
+                <a:solidFill>
+                  <a:srgbClr val="FF0000"/>
+                </a:solidFill>
+                <a:sym typeface="+mn-ea"/>
+              </a:rPr>
+              <a:t>(Boolean) obj </a:t>
+            </a:r>
+            <a:r>
+              <a:rPr lang="zh-CN" altLang="en-US" sz="1200">
+                <a:solidFill>
+                  <a:schemeClr val="tx1"/>
+                </a:solidFill>
+                <a:sym typeface="+mn-ea"/>
+              </a:rPr>
+              <a:t>? "真" : "假");</a:t>
             </a:r>
             <a:endParaRPr lang="zh-CN" altLang="en-US" sz="1200">
               <a:solidFill>
@@ -23586,7 +24011,7 @@
         </p:nvSpPr>
         <p:spPr>
           <a:xfrm>
-            <a:off x="4282440" y="6045835"/>
+            <a:off x="4300220" y="6363970"/>
             <a:ext cx="2023110" cy="456565"/>
           </a:xfrm>
           <a:prstGeom prst="rect">
@@ -23637,8 +24062,8 @@
         </p:nvSpPr>
         <p:spPr>
           <a:xfrm>
-            <a:off x="10139045" y="883285"/>
-            <a:ext cx="1839595" cy="391795"/>
+            <a:off x="9065260" y="4926965"/>
+            <a:ext cx="3005455" cy="391795"/>
           </a:xfrm>
           <a:prstGeom prst="rect">
             <a:avLst/>
@@ -23668,6 +24093,14 @@
               <a:rPr lang="zh-CN" altLang="en-US"/>
               <a:t>方法更通用</a:t>
             </a:r>
+            <a:r>
+              <a:rPr lang="en-US" altLang="zh-CN"/>
+              <a:t>-</a:t>
+            </a:r>
+            <a:r>
+              <a:rPr lang="zh-CN" altLang="en-US"/>
+              <a:t>降低代码重复率</a:t>
+            </a:r>
             <a:endParaRPr lang="zh-CN" altLang="en-US"/>
           </a:p>
         </p:txBody>
@@ -23680,8 +24113,8 @@
         </p:nvSpPr>
         <p:spPr>
           <a:xfrm>
-            <a:off x="10139045" y="1383665"/>
-            <a:ext cx="1839595" cy="391795"/>
+            <a:off x="7582535" y="5410200"/>
+            <a:ext cx="4488180" cy="391795"/>
           </a:xfrm>
           <a:prstGeom prst="rect">
             <a:avLst/>
@@ -23710,6 +24143,14 @@
             <a:r>
               <a:rPr lang="zh-CN" altLang="en-US"/>
               <a:t>类型传递</a:t>
+            </a:r>
+            <a:r>
+              <a:rPr lang="en-US" altLang="zh-CN"/>
+              <a:t>-</a:t>
+            </a:r>
+            <a:r>
+              <a:rPr lang="zh-CN" altLang="en-US"/>
+              <a:t>入参和出参类型一致，不用强转</a:t>
             </a:r>
             <a:endParaRPr lang="zh-CN" altLang="en-US"/>
           </a:p>
@@ -23988,7 +24429,7 @@
         <p:spPr>
           <a:xfrm>
             <a:off x="5164455" y="2287270"/>
-            <a:ext cx="6791960" cy="4339590"/>
+            <a:ext cx="6791960" cy="4421505"/>
           </a:xfrm>
           <a:prstGeom prst="rect">
             <a:avLst/>
@@ -24155,7 +24596,61 @@
                 </a:solidFill>
                 <a:sym typeface="+mn-ea"/>
               </a:rPr>
-              <a:t>    private &lt;HelloWorld&gt; HelloWorld generateRandomWithGeneric (HelloWorld[] objectArr) {</a:t>
+              <a:t>    private &lt;</a:t>
+            </a:r>
+            <a:r>
+              <a:rPr lang="zh-CN" altLang="en-US" sz="1200" b="1">
+                <a:solidFill>
+                  <a:srgbClr val="FF0000"/>
+                </a:solidFill>
+                <a:sym typeface="+mn-ea"/>
+              </a:rPr>
+              <a:t>HelloWorld</a:t>
+            </a:r>
+            <a:r>
+              <a:rPr lang="zh-CN" altLang="en-US" sz="1200">
+                <a:solidFill>
+                  <a:schemeClr val="tx1"/>
+                </a:solidFill>
+                <a:sym typeface="+mn-ea"/>
+              </a:rPr>
+              <a:t>&gt; </a:t>
+            </a:r>
+            <a:r>
+              <a:rPr lang="zh-CN" altLang="en-US" sz="1200" b="1">
+                <a:solidFill>
+                  <a:srgbClr val="FF0000"/>
+                </a:solidFill>
+                <a:sym typeface="+mn-ea"/>
+              </a:rPr>
+              <a:t>HelloWorld </a:t>
+            </a:r>
+            <a:r>
+              <a:rPr lang="zh-CN" altLang="en-US" sz="1200">
+                <a:solidFill>
+                  <a:schemeClr val="tx1"/>
+                </a:solidFill>
+                <a:sym typeface="+mn-ea"/>
+              </a:rPr>
+              <a:t>generateRandomWithGeneric (</a:t>
+            </a:r>
+            <a:r>
+              <a:rPr lang="zh-CN" altLang="en-US" sz="1200" b="1">
+                <a:solidFill>
+                  <a:srgbClr val="FF0000"/>
+                </a:solidFill>
+                <a:sym typeface="+mn-ea"/>
+              </a:rPr>
+              <a:t>HelloWorld</a:t>
+            </a:r>
+            <a:r>
+              <a:rPr lang="zh-CN" altLang="en-US" sz="1200">
+                <a:solidFill>
+                  <a:schemeClr val="tx1"/>
+                </a:solidFill>
+                <a:sym typeface="+mn-ea"/>
+              </a:rPr>
+              <a:t>[] objectArr) {</a:t>
             </a:r>
             <a:endParaRPr lang="zh-CN" altLang="en-US" sz="1200">
               <a:solidFill>
@@ -24408,7 +24903,7 @@
         </p:nvSpPr>
         <p:spPr>
           <a:xfrm>
-            <a:off x="135255" y="2428875"/>
+            <a:off x="135255" y="2346960"/>
             <a:ext cx="4914900" cy="2163445"/>
           </a:xfrm>
           <a:prstGeom prst="rect">
@@ -24591,6 +25086,105 @@
               </a:rPr>
               <a:t> N - Number（数值类型）</a:t>
             </a:r>
+            <a:endParaRPr lang="zh-CN" altLang="en-US" sz="1200">
+              <a:solidFill>
+                <a:schemeClr val="tx1"/>
+              </a:solidFill>
+              <a:latin typeface="+mn-ea"/>
+              <a:cs typeface="+mn-ea"/>
+              <a:sym typeface="+mn-ea"/>
+            </a:endParaRPr>
+          </a:p>
+        </p:txBody>
+      </p:sp>
+      <p:sp>
+        <p:nvSpPr>
+          <p:cNvPr id="5" name="文本框 4"/>
+          <p:cNvSpPr txBox="1"/>
+          <p:nvPr/>
+        </p:nvSpPr>
+        <p:spPr>
+          <a:xfrm>
+            <a:off x="7472680" y="2320290"/>
+            <a:ext cx="4598035" cy="275590"/>
+          </a:xfrm>
+          <a:prstGeom prst="rect">
+            <a:avLst/>
+          </a:prstGeom>
+          <a:noFill/>
+        </p:spPr>
+        <p:txBody>
+          <a:bodyPr wrap="square" rtlCol="0" anchor="t">
+            <a:spAutoFit/>
+          </a:bodyPr>
+          <a:p>
+            <a:r>
+              <a:rPr lang="zh-CN" altLang="en-US" sz="1200" b="1">
+                <a:solidFill>
+                  <a:srgbClr val="FF0000"/>
+                </a:solidFill>
+              </a:rPr>
+              <a:t>private &lt;T&gt; T generateRandomWithGeneric (T[] objectArr) {</a:t>
+            </a:r>
+            <a:endParaRPr lang="zh-CN" altLang="en-US" sz="1200" b="1">
+              <a:solidFill>
+                <a:srgbClr val="FF0000"/>
+              </a:solidFill>
+            </a:endParaRPr>
+          </a:p>
+        </p:txBody>
+      </p:sp>
+      <p:sp>
+        <p:nvSpPr>
+          <p:cNvPr id="3" name="矩形 2"/>
+          <p:cNvSpPr/>
+          <p:nvPr/>
+        </p:nvSpPr>
+        <p:spPr>
+          <a:xfrm>
+            <a:off x="7453630" y="2287905"/>
+            <a:ext cx="4501515" cy="334645"/>
+          </a:xfrm>
+          <a:prstGeom prst="rect">
+            <a:avLst/>
+          </a:prstGeom>
+          <a:noFill/>
+          <a:ln w="28575">
+            <a:solidFill>
+              <a:srgbClr val="36A44E"/>
+            </a:solidFill>
+            <a:prstDash val="solid"/>
+          </a:ln>
+          <a:extLst>
+            <a:ext uri="{909E8E84-426E-40DD-AFC4-6F175D3DCCD1}">
+              <a14:hiddenFill xmlns:a14="http://schemas.microsoft.com/office/drawing/2010/main">
+                <a:solidFill>
+                  <a:schemeClr val="bg1"/>
+                </a:solidFill>
+              </a14:hiddenFill>
+            </a:ext>
+          </a:extLst>
+        </p:spPr>
+        <p:style>
+          <a:lnRef idx="2">
+            <a:schemeClr val="accent1">
+              <a:shade val="50000"/>
+            </a:schemeClr>
+          </a:lnRef>
+          <a:fillRef idx="1">
+            <a:schemeClr val="accent1"/>
+          </a:fillRef>
+          <a:effectRef idx="0">
+            <a:schemeClr val="accent1"/>
+          </a:effectRef>
+          <a:fontRef idx="minor">
+            <a:schemeClr val="lt1"/>
+          </a:fontRef>
+        </p:style>
+        <p:txBody>
+          <a:bodyPr rtlCol="0" anchor="ctr"/>
+          <a:p>
+            <a:pPr algn="l"/>
             <a:endParaRPr lang="zh-CN" altLang="en-US" sz="1200">
               <a:solidFill>
                 <a:schemeClr val="tx1"/>
